--- a/Sketch/Games/Agrupamento de Formas.pptx
+++ b/Sketch/Games/Agrupamento de Formas.pptx
@@ -6,14 +6,15 @@
   </p:sldMasterIdLst>
   <p:sldIdLst>
     <p:sldId id="256" r:id="rId2"/>
-    <p:sldId id="257" r:id="rId3"/>
-    <p:sldId id="258" r:id="rId4"/>
-    <p:sldId id="259" r:id="rId5"/>
-    <p:sldId id="260" r:id="rId6"/>
-    <p:sldId id="261" r:id="rId7"/>
-    <p:sldId id="262" r:id="rId8"/>
-    <p:sldId id="263" r:id="rId9"/>
-    <p:sldId id="264" r:id="rId10"/>
+    <p:sldId id="265" r:id="rId3"/>
+    <p:sldId id="257" r:id="rId4"/>
+    <p:sldId id="258" r:id="rId5"/>
+    <p:sldId id="259" r:id="rId6"/>
+    <p:sldId id="260" r:id="rId7"/>
+    <p:sldId id="261" r:id="rId8"/>
+    <p:sldId id="262" r:id="rId9"/>
+    <p:sldId id="263" r:id="rId10"/>
+    <p:sldId id="264" r:id="rId11"/>
   </p:sldIdLst>
   <p:sldSz cx="9144000" cy="6858000" type="screen4x3"/>
   <p:notesSz cx="6858000" cy="9144000"/>
@@ -296,7 +297,7 @@
           <a:p>
             <a:fld id="{39372DE5-F44D-4D67-8FD2-A580BB8A4968}" type="datetimeFigureOut">
               <a:rPr lang="pt-BR" smtClean="0"/>
-              <a:t>11/10/2019</a:t>
+              <a:t>12/11/2019</a:t>
             </a:fld>
             <a:endParaRPr lang="pt-BR"/>
           </a:p>
@@ -466,7 +467,7 @@
           <a:p>
             <a:fld id="{39372DE5-F44D-4D67-8FD2-A580BB8A4968}" type="datetimeFigureOut">
               <a:rPr lang="pt-BR" smtClean="0"/>
-              <a:t>11/10/2019</a:t>
+              <a:t>12/11/2019</a:t>
             </a:fld>
             <a:endParaRPr lang="pt-BR"/>
           </a:p>
@@ -646,7 +647,7 @@
           <a:p>
             <a:fld id="{39372DE5-F44D-4D67-8FD2-A580BB8A4968}" type="datetimeFigureOut">
               <a:rPr lang="pt-BR" smtClean="0"/>
-              <a:t>11/10/2019</a:t>
+              <a:t>12/11/2019</a:t>
             </a:fld>
             <a:endParaRPr lang="pt-BR"/>
           </a:p>
@@ -816,7 +817,7 @@
           <a:p>
             <a:fld id="{39372DE5-F44D-4D67-8FD2-A580BB8A4968}" type="datetimeFigureOut">
               <a:rPr lang="pt-BR" smtClean="0"/>
-              <a:t>11/10/2019</a:t>
+              <a:t>12/11/2019</a:t>
             </a:fld>
             <a:endParaRPr lang="pt-BR"/>
           </a:p>
@@ -1062,7 +1063,7 @@
           <a:p>
             <a:fld id="{39372DE5-F44D-4D67-8FD2-A580BB8A4968}" type="datetimeFigureOut">
               <a:rPr lang="pt-BR" smtClean="0"/>
-              <a:t>11/10/2019</a:t>
+              <a:t>12/11/2019</a:t>
             </a:fld>
             <a:endParaRPr lang="pt-BR"/>
           </a:p>
@@ -1350,7 +1351,7 @@
           <a:p>
             <a:fld id="{39372DE5-F44D-4D67-8FD2-A580BB8A4968}" type="datetimeFigureOut">
               <a:rPr lang="pt-BR" smtClean="0"/>
-              <a:t>11/10/2019</a:t>
+              <a:t>12/11/2019</a:t>
             </a:fld>
             <a:endParaRPr lang="pt-BR"/>
           </a:p>
@@ -1772,7 +1773,7 @@
           <a:p>
             <a:fld id="{39372DE5-F44D-4D67-8FD2-A580BB8A4968}" type="datetimeFigureOut">
               <a:rPr lang="pt-BR" smtClean="0"/>
-              <a:t>11/10/2019</a:t>
+              <a:t>12/11/2019</a:t>
             </a:fld>
             <a:endParaRPr lang="pt-BR"/>
           </a:p>
@@ -1890,7 +1891,7 @@
           <a:p>
             <a:fld id="{39372DE5-F44D-4D67-8FD2-A580BB8A4968}" type="datetimeFigureOut">
               <a:rPr lang="pt-BR" smtClean="0"/>
-              <a:t>11/10/2019</a:t>
+              <a:t>12/11/2019</a:t>
             </a:fld>
             <a:endParaRPr lang="pt-BR"/>
           </a:p>
@@ -1985,7 +1986,7 @@
           <a:p>
             <a:fld id="{39372DE5-F44D-4D67-8FD2-A580BB8A4968}" type="datetimeFigureOut">
               <a:rPr lang="pt-BR" smtClean="0"/>
-              <a:t>11/10/2019</a:t>
+              <a:t>12/11/2019</a:t>
             </a:fld>
             <a:endParaRPr lang="pt-BR"/>
           </a:p>
@@ -2262,7 +2263,7 @@
           <a:p>
             <a:fld id="{39372DE5-F44D-4D67-8FD2-A580BB8A4968}" type="datetimeFigureOut">
               <a:rPr lang="pt-BR" smtClean="0"/>
-              <a:t>11/10/2019</a:t>
+              <a:t>12/11/2019</a:t>
             </a:fld>
             <a:endParaRPr lang="pt-BR"/>
           </a:p>
@@ -2515,7 +2516,7 @@
           <a:p>
             <a:fld id="{39372DE5-F44D-4D67-8FD2-A580BB8A4968}" type="datetimeFigureOut">
               <a:rPr lang="pt-BR" smtClean="0"/>
-              <a:t>11/10/2019</a:t>
+              <a:t>12/11/2019</a:t>
             </a:fld>
             <a:endParaRPr lang="pt-BR"/>
           </a:p>
@@ -2728,7 +2729,7 @@
           <a:p>
             <a:fld id="{39372DE5-F44D-4D67-8FD2-A580BB8A4968}" type="datetimeFigureOut">
               <a:rPr lang="pt-BR" smtClean="0"/>
-              <a:t>11/10/2019</a:t>
+              <a:t>12/11/2019</a:t>
             </a:fld>
             <a:endParaRPr lang="pt-BR"/>
           </a:p>
@@ -3103,9 +3104,239 @@
           <a:chExt cx="0" cy="0"/>
         </a:xfrm>
       </p:grpSpPr>
+      <p:sp>
+        <p:nvSpPr>
+          <p:cNvPr id="3" name="Estrela de 5 pontas 2"/>
+          <p:cNvSpPr/>
+          <p:nvPr/>
+        </p:nvSpPr>
+        <p:spPr>
+          <a:xfrm>
+            <a:off x="7020" y="116632"/>
+            <a:ext cx="3240360" cy="3240360"/>
+          </a:xfrm>
+          <a:prstGeom prst="star5">
+            <a:avLst>
+              <a:gd name="adj" fmla="val 20617"/>
+              <a:gd name="hf" fmla="val 105146"/>
+              <a:gd name="vf" fmla="val 110557"/>
+            </a:avLst>
+          </a:prstGeom>
+          <a:solidFill>
+            <a:srgbClr val="3498DB"/>
+          </a:solidFill>
+          <a:ln>
+            <a:noFill/>
+          </a:ln>
+        </p:spPr>
+        <p:style>
+          <a:lnRef idx="2">
+            <a:schemeClr val="accent1">
+              <a:shade val="50000"/>
+            </a:schemeClr>
+          </a:lnRef>
+          <a:fillRef idx="1">
+            <a:schemeClr val="accent1"/>
+          </a:fillRef>
+          <a:effectRef idx="0">
+            <a:schemeClr val="accent1"/>
+          </a:effectRef>
+          <a:fontRef idx="minor">
+            <a:schemeClr val="lt1"/>
+          </a:fontRef>
+        </p:style>
+        <p:txBody>
+          <a:bodyPr rtlCol="0" anchor="ctr"/>
+          <a:lstStyle/>
+          <a:p>
+            <a:pPr algn="ctr"/>
+            <a:endParaRPr lang="pt-BR"/>
+          </a:p>
+        </p:txBody>
+      </p:sp>
+      <p:sp>
+        <p:nvSpPr>
+          <p:cNvPr id="9" name="Estrela de 5 pontas 8"/>
+          <p:cNvSpPr/>
+          <p:nvPr/>
+        </p:nvSpPr>
+        <p:spPr>
+          <a:xfrm>
+            <a:off x="1592278" y="2847019"/>
+            <a:ext cx="3240360" cy="3240360"/>
+          </a:xfrm>
+          <a:prstGeom prst="star5">
+            <a:avLst>
+              <a:gd name="adj" fmla="val 20617"/>
+              <a:gd name="hf" fmla="val 105146"/>
+              <a:gd name="vf" fmla="val 110557"/>
+            </a:avLst>
+          </a:prstGeom>
+          <a:solidFill>
+            <a:srgbClr val="F1C410"/>
+          </a:solidFill>
+          <a:ln>
+            <a:noFill/>
+          </a:ln>
+        </p:spPr>
+        <p:style>
+          <a:lnRef idx="2">
+            <a:schemeClr val="accent1">
+              <a:shade val="50000"/>
+            </a:schemeClr>
+          </a:lnRef>
+          <a:fillRef idx="1">
+            <a:schemeClr val="accent1"/>
+          </a:fillRef>
+          <a:effectRef idx="0">
+            <a:schemeClr val="accent1"/>
+          </a:effectRef>
+          <a:fontRef idx="minor">
+            <a:schemeClr val="lt1"/>
+          </a:fontRef>
+        </p:style>
+        <p:txBody>
+          <a:bodyPr rtlCol="0" anchor="ctr"/>
+          <a:lstStyle/>
+          <a:p>
+            <a:pPr algn="ctr"/>
+            <a:endParaRPr lang="pt-BR"/>
+          </a:p>
+        </p:txBody>
+      </p:sp>
+      <p:sp>
+        <p:nvSpPr>
+          <p:cNvPr id="10" name="Estrela de 5 pontas 9"/>
+          <p:cNvSpPr/>
+          <p:nvPr/>
+        </p:nvSpPr>
+        <p:spPr>
+          <a:xfrm>
+            <a:off x="5796136" y="2708920"/>
+            <a:ext cx="3240360" cy="3240360"/>
+          </a:xfrm>
+          <a:prstGeom prst="star5">
+            <a:avLst>
+              <a:gd name="adj" fmla="val 20617"/>
+              <a:gd name="hf" fmla="val 105146"/>
+              <a:gd name="vf" fmla="val 110557"/>
+            </a:avLst>
+          </a:prstGeom>
+          <a:solidFill>
+            <a:srgbClr val="2ECC71"/>
+          </a:solidFill>
+          <a:ln>
+            <a:noFill/>
+          </a:ln>
+        </p:spPr>
+        <p:style>
+          <a:lnRef idx="2">
+            <a:schemeClr val="accent1">
+              <a:shade val="50000"/>
+            </a:schemeClr>
+          </a:lnRef>
+          <a:fillRef idx="1">
+            <a:schemeClr val="accent1"/>
+          </a:fillRef>
+          <a:effectRef idx="0">
+            <a:schemeClr val="accent1"/>
+          </a:effectRef>
+          <a:fontRef idx="minor">
+            <a:schemeClr val="lt1"/>
+          </a:fontRef>
+        </p:style>
+        <p:txBody>
+          <a:bodyPr rtlCol="0" anchor="ctr"/>
+          <a:lstStyle/>
+          <a:p>
+            <a:pPr algn="ctr"/>
+            <a:endParaRPr lang="pt-BR"/>
+          </a:p>
+        </p:txBody>
+      </p:sp>
+      <p:sp>
+        <p:nvSpPr>
+          <p:cNvPr id="11" name="Estrela de 5 pontas 10"/>
+          <p:cNvSpPr/>
+          <p:nvPr/>
+        </p:nvSpPr>
+        <p:spPr>
+          <a:xfrm>
+            <a:off x="4067944" y="31981"/>
+            <a:ext cx="3240360" cy="3240360"/>
+          </a:xfrm>
+          <a:prstGeom prst="star5">
+            <a:avLst>
+              <a:gd name="adj" fmla="val 20617"/>
+              <a:gd name="hf" fmla="val 105146"/>
+              <a:gd name="vf" fmla="val 110557"/>
+            </a:avLst>
+          </a:prstGeom>
+          <a:solidFill>
+            <a:srgbClr val="E74C3C"/>
+          </a:solidFill>
+          <a:ln>
+            <a:noFill/>
+          </a:ln>
+        </p:spPr>
+        <p:style>
+          <a:lnRef idx="2">
+            <a:schemeClr val="accent1">
+              <a:shade val="50000"/>
+            </a:schemeClr>
+          </a:lnRef>
+          <a:fillRef idx="1">
+            <a:schemeClr val="accent1"/>
+          </a:fillRef>
+          <a:effectRef idx="0">
+            <a:schemeClr val="accent1"/>
+          </a:effectRef>
+          <a:fontRef idx="minor">
+            <a:schemeClr val="lt1"/>
+          </a:fontRef>
+        </p:style>
+        <p:txBody>
+          <a:bodyPr rtlCol="0" anchor="ctr"/>
+          <a:lstStyle/>
+          <a:p>
+            <a:pPr algn="ctr"/>
+            <a:endParaRPr lang="pt-BR"/>
+          </a:p>
+        </p:txBody>
+      </p:sp>
+    </p:spTree>
+    <p:extLst>
+      <p:ext uri="{BB962C8B-B14F-4D97-AF65-F5344CB8AC3E}">
+        <p14:creationId xmlns:p14="http://schemas.microsoft.com/office/powerpoint/2010/main" val="2258133518"/>
+      </p:ext>
+    </p:extLst>
+  </p:cSld>
+  <p:clrMapOvr>
+    <a:masterClrMapping/>
+  </p:clrMapOvr>
+</p:sld>
+</file>
+
+<file path=ppt/slides/slide10.xml><?xml version="1.0" encoding="utf-8"?>
+<p:sld xmlns:a="http://schemas.openxmlformats.org/drawingml/2006/main" xmlns:r="http://schemas.openxmlformats.org/officeDocument/2006/relationships" xmlns:p="http://schemas.openxmlformats.org/presentationml/2006/main">
+  <p:cSld>
+    <p:spTree>
+      <p:nvGrpSpPr>
+        <p:cNvPr id="1" name=""/>
+        <p:cNvGrpSpPr/>
+        <p:nvPr/>
+      </p:nvGrpSpPr>
+      <p:grpSpPr>
+        <a:xfrm>
+          <a:off x="0" y="0"/>
+          <a:ext cx="0" cy="0"/>
+          <a:chOff x="0" y="0"/>
+          <a:chExt cx="0" cy="0"/>
+        </a:xfrm>
+      </p:grpSpPr>
       <p:pic>
         <p:nvPicPr>
-          <p:cNvPr id="1027" name="Picture 3" descr="C:\Users\u18189\Desktop\Ludit\Sketch\Games\1x\star_yellow.png"/>
+          <p:cNvPr id="6" name="Picture 6" descr="C:\Users\u18189\Desktop\Ludit\Sketch\Games\1x\triangle_red.png"/>
           <p:cNvPicPr>
             <a:picLocks noChangeAspect="1" noChangeArrowheads="1"/>
           </p:cNvPicPr>
@@ -3126,8 +3357,8 @@
         </p:blipFill>
         <p:spPr bwMode="auto">
           <a:xfrm>
-            <a:off x="6496036" y="4005064"/>
-            <a:ext cx="2213373" cy="2104792"/>
+            <a:off x="5778693" y="3645148"/>
+            <a:ext cx="2921001" cy="2527300"/>
           </a:xfrm>
           <a:prstGeom prst="rect">
             <a:avLst/>
@@ -3144,148 +3375,275 @@
           </a:extLst>
         </p:spPr>
       </p:pic>
-      <p:grpSp>
-        <p:nvGrpSpPr>
-          <p:cNvPr id="4" name="Grupo 3"/>
-          <p:cNvGrpSpPr/>
+      <p:pic>
+        <p:nvPicPr>
+          <p:cNvPr id="8" name="Picture 10" descr="C:\Users\u18189\Desktop\Ludit\Sketch\Games\1x\circle_red.png"/>
+          <p:cNvPicPr>
+            <a:picLocks noChangeAspect="1" noChangeArrowheads="1"/>
+          </p:cNvPicPr>
           <p:nvPr/>
-        </p:nvGrpSpPr>
-        <p:grpSpPr>
-          <a:xfrm>
-            <a:off x="528278" y="260648"/>
-            <a:ext cx="6368907" cy="3560440"/>
-            <a:chOff x="528278" y="260648"/>
-            <a:chExt cx="6368907" cy="3560440"/>
-          </a:xfrm>
-        </p:grpSpPr>
-        <p:pic>
-          <p:nvPicPr>
-            <p:cNvPr id="1026" name="Picture 2" descr="C:\Users\u18189\Desktop\Ludit\Sketch\Games\1x\star_red.png"/>
-            <p:cNvPicPr>
-              <a:picLocks noChangeAspect="1" noChangeArrowheads="1"/>
-            </p:cNvPicPr>
-            <p:nvPr/>
-          </p:nvPicPr>
-          <p:blipFill>
-            <a:blip r:embed="rId3">
-              <a:extLst>
-                <a:ext uri="{28A0092B-C50C-407E-A947-70E740481C1C}">
-                  <a14:useLocalDpi xmlns:a14="http://schemas.microsoft.com/office/drawing/2010/main" val="0"/>
-                </a:ext>
-              </a:extLst>
-            </a:blip>
-            <a:srcRect/>
-            <a:stretch>
-              <a:fillRect/>
-            </a:stretch>
-          </p:blipFill>
-          <p:spPr bwMode="auto">
-            <a:xfrm>
-              <a:off x="4716016" y="283704"/>
-              <a:ext cx="2181169" cy="2074168"/>
-            </a:xfrm>
-            <a:prstGeom prst="rect">
-              <a:avLst/>
-            </a:prstGeom>
-            <a:noFill/>
+        </p:nvPicPr>
+        <p:blipFill>
+          <a:blip r:embed="rId3">
             <a:extLst>
-              <a:ext uri="{909E8E84-426E-40DD-AFC4-6F175D3DCCD1}">
-                <a14:hiddenFill xmlns:a14="http://schemas.microsoft.com/office/drawing/2010/main">
-                  <a:solidFill>
-                    <a:srgbClr val="FFFFFF"/>
-                  </a:solidFill>
-                </a14:hiddenFill>
+              <a:ext uri="{28A0092B-C50C-407E-A947-70E740481C1C}">
+                <a14:useLocalDpi xmlns:a14="http://schemas.microsoft.com/office/drawing/2010/main" val="0"/>
               </a:ext>
             </a:extLst>
-          </p:spPr>
-        </p:pic>
-        <p:pic>
-          <p:nvPicPr>
-            <p:cNvPr id="1046" name="Picture 22" descr="C:\Users\u18189\Desktop\Ludit\Sketch\Games\1x\star_blue.png"/>
-            <p:cNvPicPr>
-              <a:picLocks noChangeAspect="1" noChangeArrowheads="1"/>
-            </p:cNvPicPr>
-            <p:nvPr/>
-          </p:nvPicPr>
-          <p:blipFill>
-            <a:blip r:embed="rId4">
-              <a:extLst>
-                <a:ext uri="{28A0092B-C50C-407E-A947-70E740481C1C}">
-                  <a14:useLocalDpi xmlns:a14="http://schemas.microsoft.com/office/drawing/2010/main" val="0"/>
-                </a:ext>
-              </a:extLst>
-            </a:blip>
-            <a:srcRect/>
-            <a:stretch>
-              <a:fillRect/>
-            </a:stretch>
-          </p:blipFill>
-          <p:spPr bwMode="auto">
-            <a:xfrm>
-              <a:off x="528278" y="260648"/>
-              <a:ext cx="2229660" cy="2120280"/>
-            </a:xfrm>
-            <a:prstGeom prst="rect">
-              <a:avLst/>
-            </a:prstGeom>
-            <a:noFill/>
+          </a:blip>
+          <a:srcRect/>
+          <a:stretch>
+            <a:fillRect/>
+          </a:stretch>
+        </p:blipFill>
+        <p:spPr bwMode="auto">
+          <a:xfrm>
+            <a:off x="4084737" y="3851785"/>
+            <a:ext cx="2108201" cy="2095500"/>
+          </a:xfrm>
+          <a:prstGeom prst="rect">
+            <a:avLst/>
+          </a:prstGeom>
+          <a:noFill/>
+          <a:extLst>
+            <a:ext uri="{909E8E84-426E-40DD-AFC4-6F175D3DCCD1}">
+              <a14:hiddenFill xmlns:a14="http://schemas.microsoft.com/office/drawing/2010/main">
+                <a:solidFill>
+                  <a:srgbClr val="FFFFFF"/>
+                </a:solidFill>
+              </a14:hiddenFill>
+            </a:ext>
+          </a:extLst>
+        </p:spPr>
+      </p:pic>
+      <p:pic>
+        <p:nvPicPr>
+          <p:cNvPr id="10" name="Picture 14" descr="C:\Users\u18189\Desktop\Ludit\Sketch\Games\1x\hexagono_red.png"/>
+          <p:cNvPicPr>
+            <a:picLocks noChangeAspect="1" noChangeArrowheads="1"/>
+          </p:cNvPicPr>
+          <p:nvPr/>
+        </p:nvPicPr>
+        <p:blipFill>
+          <a:blip r:embed="rId4">
             <a:extLst>
-              <a:ext uri="{909E8E84-426E-40DD-AFC4-6F175D3DCCD1}">
-                <a14:hiddenFill xmlns:a14="http://schemas.microsoft.com/office/drawing/2010/main">
-                  <a:solidFill>
-                    <a:srgbClr val="FFFFFF"/>
-                  </a:solidFill>
-                </a14:hiddenFill>
+              <a:ext uri="{28A0092B-C50C-407E-A947-70E740481C1C}">
+                <a14:useLocalDpi xmlns:a14="http://schemas.microsoft.com/office/drawing/2010/main" val="0"/>
               </a:ext>
             </a:extLst>
-          </p:spPr>
-        </p:pic>
-        <p:pic>
-          <p:nvPicPr>
-            <p:cNvPr id="1047" name="Picture 23" descr="C:\Users\u18189\Desktop\Ludit\Sketch\Games\1x\star_green.png"/>
-            <p:cNvPicPr>
-              <a:picLocks noChangeAspect="1" noChangeArrowheads="1"/>
-            </p:cNvPicPr>
-            <p:nvPr/>
-          </p:nvPicPr>
-          <p:blipFill>
-            <a:blip r:embed="rId5">
-              <a:extLst>
-                <a:ext uri="{28A0092B-C50C-407E-A947-70E740481C1C}">
-                  <a14:useLocalDpi xmlns:a14="http://schemas.microsoft.com/office/drawing/2010/main" val="0"/>
-                </a:ext>
-              </a:extLst>
-            </a:blip>
-            <a:srcRect/>
-            <a:stretch>
-              <a:fillRect/>
-            </a:stretch>
-          </p:blipFill>
-          <p:spPr bwMode="auto">
-            <a:xfrm>
-              <a:off x="2754423" y="1844824"/>
-              <a:ext cx="2078215" cy="1976264"/>
-            </a:xfrm>
-            <a:prstGeom prst="rect">
-              <a:avLst/>
-            </a:prstGeom>
-            <a:noFill/>
+          </a:blip>
+          <a:srcRect/>
+          <a:stretch>
+            <a:fillRect/>
+          </a:stretch>
+        </p:blipFill>
+        <p:spPr bwMode="auto">
+          <a:xfrm>
+            <a:off x="179512" y="260648"/>
+            <a:ext cx="3289301" cy="2832100"/>
+          </a:xfrm>
+          <a:prstGeom prst="rect">
+            <a:avLst/>
+          </a:prstGeom>
+          <a:noFill/>
+          <a:extLst>
+            <a:ext uri="{909E8E84-426E-40DD-AFC4-6F175D3DCCD1}">
+              <a14:hiddenFill xmlns:a14="http://schemas.microsoft.com/office/drawing/2010/main">
+                <a:solidFill>
+                  <a:srgbClr val="FFFFFF"/>
+                </a:solidFill>
+              </a14:hiddenFill>
+            </a:ext>
+          </a:extLst>
+        </p:spPr>
+      </p:pic>
+      <p:pic>
+        <p:nvPicPr>
+          <p:cNvPr id="12" name="Picture 20" descr="C:\Users\u18189\Desktop\Ludit\Sketch\Games\1x\rectangle_red.png"/>
+          <p:cNvPicPr>
+            <a:picLocks noChangeAspect="1" noChangeArrowheads="1"/>
+          </p:cNvPicPr>
+          <p:nvPr/>
+        </p:nvPicPr>
+        <p:blipFill>
+          <a:blip r:embed="rId5">
             <a:extLst>
-              <a:ext uri="{909E8E84-426E-40DD-AFC4-6F175D3DCCD1}">
-                <a14:hiddenFill xmlns:a14="http://schemas.microsoft.com/office/drawing/2010/main">
-                  <a:solidFill>
-                    <a:srgbClr val="FFFFFF"/>
-                  </a:solidFill>
-                </a14:hiddenFill>
+              <a:ext uri="{28A0092B-C50C-407E-A947-70E740481C1C}">
+                <a14:useLocalDpi xmlns:a14="http://schemas.microsoft.com/office/drawing/2010/main" val="0"/>
               </a:ext>
             </a:extLst>
-          </p:spPr>
-        </p:pic>
-      </p:grpSp>
+          </a:blip>
+          <a:srcRect/>
+          <a:stretch>
+            <a:fillRect/>
+          </a:stretch>
+        </p:blipFill>
+        <p:spPr bwMode="auto">
+          <a:xfrm>
+            <a:off x="4063033" y="546398"/>
+            <a:ext cx="3697288" cy="2260600"/>
+          </a:xfrm>
+          <a:prstGeom prst="rect">
+            <a:avLst/>
+          </a:prstGeom>
+          <a:noFill/>
+          <a:extLst>
+            <a:ext uri="{909E8E84-426E-40DD-AFC4-6F175D3DCCD1}">
+              <a14:hiddenFill xmlns:a14="http://schemas.microsoft.com/office/drawing/2010/main">
+                <a:solidFill>
+                  <a:srgbClr val="FFFFFF"/>
+                </a:solidFill>
+              </a14:hiddenFill>
+            </a:ext>
+          </a:extLst>
+        </p:spPr>
+      </p:pic>
+      <p:sp>
+        <p:nvSpPr>
+          <p:cNvPr id="7" name="Estrela de 5 pontas 6"/>
+          <p:cNvSpPr/>
+          <p:nvPr/>
+        </p:nvSpPr>
+        <p:spPr>
+          <a:xfrm>
+            <a:off x="395536" y="3274499"/>
+            <a:ext cx="3240360" cy="3240360"/>
+          </a:xfrm>
+          <a:prstGeom prst="star5">
+            <a:avLst>
+              <a:gd name="adj" fmla="val 20617"/>
+              <a:gd name="hf" fmla="val 105146"/>
+              <a:gd name="vf" fmla="val 110557"/>
+            </a:avLst>
+          </a:prstGeom>
+          <a:solidFill>
+            <a:srgbClr val="E74C3C"/>
+          </a:solidFill>
+          <a:ln>
+            <a:noFill/>
+          </a:ln>
+        </p:spPr>
+        <p:style>
+          <a:lnRef idx="2">
+            <a:schemeClr val="accent1">
+              <a:shade val="50000"/>
+            </a:schemeClr>
+          </a:lnRef>
+          <a:fillRef idx="1">
+            <a:schemeClr val="accent1"/>
+          </a:fillRef>
+          <a:effectRef idx="0">
+            <a:schemeClr val="accent1"/>
+          </a:effectRef>
+          <a:fontRef idx="minor">
+            <a:schemeClr val="lt1"/>
+          </a:fontRef>
+        </p:style>
+        <p:txBody>
+          <a:bodyPr rtlCol="0" anchor="ctr"/>
+          <a:lstStyle/>
+          <a:p>
+            <a:pPr algn="ctr"/>
+            <a:endParaRPr lang="pt-BR"/>
+          </a:p>
+        </p:txBody>
+      </p:sp>
+      <p:sp>
+        <p:nvSpPr>
+          <p:cNvPr id="9" name="Coração 8"/>
+          <p:cNvSpPr/>
+          <p:nvPr/>
+        </p:nvSpPr>
+        <p:spPr>
+          <a:xfrm>
+            <a:off x="8707358" y="3874109"/>
+            <a:ext cx="2880320" cy="2880320"/>
+          </a:xfrm>
+          <a:prstGeom prst="heart">
+            <a:avLst/>
+          </a:prstGeom>
+          <a:solidFill>
+            <a:srgbClr val="E74C3C"/>
+          </a:solidFill>
+          <a:ln>
+            <a:noFill/>
+          </a:ln>
+        </p:spPr>
+        <p:style>
+          <a:lnRef idx="2">
+            <a:schemeClr val="accent1">
+              <a:shade val="50000"/>
+            </a:schemeClr>
+          </a:lnRef>
+          <a:fillRef idx="1">
+            <a:schemeClr val="accent1"/>
+          </a:fillRef>
+          <a:effectRef idx="0">
+            <a:schemeClr val="accent1"/>
+          </a:effectRef>
+          <a:fontRef idx="minor">
+            <a:schemeClr val="lt1"/>
+          </a:fontRef>
+        </p:style>
+        <p:txBody>
+          <a:bodyPr rtlCol="0" anchor="ctr"/>
+          <a:lstStyle/>
+          <a:p>
+            <a:pPr algn="ctr"/>
+            <a:endParaRPr lang="pt-BR"/>
+          </a:p>
+        </p:txBody>
+      </p:sp>
+      <p:sp>
+        <p:nvSpPr>
+          <p:cNvPr id="13" name="Hexágono 12"/>
+          <p:cNvSpPr/>
+          <p:nvPr/>
+        </p:nvSpPr>
+        <p:spPr>
+          <a:xfrm>
+            <a:off x="8733154" y="166243"/>
+            <a:ext cx="3672408" cy="3165869"/>
+          </a:xfrm>
+          <a:prstGeom prst="hexagon">
+            <a:avLst/>
+          </a:prstGeom>
+          <a:solidFill>
+            <a:srgbClr val="E74C3C"/>
+          </a:solidFill>
+          <a:ln>
+            <a:noFill/>
+          </a:ln>
+        </p:spPr>
+        <p:style>
+          <a:lnRef idx="2">
+            <a:schemeClr val="accent1">
+              <a:shade val="50000"/>
+            </a:schemeClr>
+          </a:lnRef>
+          <a:fillRef idx="1">
+            <a:schemeClr val="accent1"/>
+          </a:fillRef>
+          <a:effectRef idx="0">
+            <a:schemeClr val="accent1"/>
+          </a:effectRef>
+          <a:fontRef idx="minor">
+            <a:schemeClr val="lt1"/>
+          </a:fontRef>
+        </p:style>
+        <p:txBody>
+          <a:bodyPr rtlCol="0" anchor="ctr"/>
+          <a:lstStyle/>
+          <a:p>
+            <a:pPr algn="ctr"/>
+            <a:endParaRPr lang="pt-BR"/>
+          </a:p>
+        </p:txBody>
+      </p:sp>
     </p:spTree>
     <p:extLst>
       <p:ext uri="{BB962C8B-B14F-4D97-AF65-F5344CB8AC3E}">
-        <p14:creationId xmlns:p14="http://schemas.microsoft.com/office/powerpoint/2010/main" val="2258133518"/>
+        <p14:creationId xmlns:p14="http://schemas.microsoft.com/office/powerpoint/2010/main" val="3240468426"/>
       </p:ext>
     </p:extLst>
   </p:cSld>
@@ -3312,174 +3670,194 @@
           <a:chExt cx="0" cy="0"/>
         </a:xfrm>
       </p:grpSpPr>
-      <p:pic>
-        <p:nvPicPr>
-          <p:cNvPr id="14" name="Picture 12" descr="C:\Users\u18189\Desktop\Ludit\Sketch\Games\1x\hexagono_blue.png"/>
-          <p:cNvPicPr>
-            <a:picLocks noChangeAspect="1" noChangeArrowheads="1"/>
-          </p:cNvPicPr>
+      <p:sp>
+        <p:nvSpPr>
+          <p:cNvPr id="4" name="Coração 3"/>
+          <p:cNvSpPr/>
           <p:nvPr/>
-        </p:nvPicPr>
-        <p:blipFill>
-          <a:blip r:embed="rId2">
-            <a:extLst>
-              <a:ext uri="{28A0092B-C50C-407E-A947-70E740481C1C}">
-                <a14:useLocalDpi xmlns:a14="http://schemas.microsoft.com/office/drawing/2010/main" val="0"/>
-              </a:ext>
-            </a:extLst>
-          </a:blip>
-          <a:srcRect/>
-          <a:stretch>
-            <a:fillRect/>
-          </a:stretch>
-        </p:blipFill>
-        <p:spPr bwMode="auto">
-          <a:xfrm>
-            <a:off x="3897772" y="267990"/>
-            <a:ext cx="3289301" cy="2844800"/>
-          </a:xfrm>
-          <a:prstGeom prst="rect">
+        </p:nvSpPr>
+        <p:spPr>
+          <a:xfrm>
+            <a:off x="251520" y="551114"/>
+            <a:ext cx="2880320" cy="2880320"/>
+          </a:xfrm>
+          <a:prstGeom prst="heart">
             <a:avLst/>
           </a:prstGeom>
-          <a:noFill/>
-          <a:extLst>
-            <a:ext uri="{909E8E84-426E-40DD-AFC4-6F175D3DCCD1}">
-              <a14:hiddenFill xmlns:a14="http://schemas.microsoft.com/office/drawing/2010/main">
-                <a:solidFill>
-                  <a:srgbClr val="FFFFFF"/>
-                </a:solidFill>
-              </a14:hiddenFill>
-            </a:ext>
-          </a:extLst>
-        </p:spPr>
-      </p:pic>
-      <p:pic>
-        <p:nvPicPr>
-          <p:cNvPr id="15" name="Picture 13" descr="C:\Users\u18189\Desktop\Ludit\Sketch\Games\1x\hexagono_green.png"/>
-          <p:cNvPicPr>
-            <a:picLocks noChangeAspect="1" noChangeArrowheads="1"/>
-          </p:cNvPicPr>
+          <a:solidFill>
+            <a:srgbClr val="3498DB"/>
+          </a:solidFill>
+          <a:ln>
+            <a:noFill/>
+          </a:ln>
+        </p:spPr>
+        <p:style>
+          <a:lnRef idx="2">
+            <a:schemeClr val="accent1">
+              <a:shade val="50000"/>
+            </a:schemeClr>
+          </a:lnRef>
+          <a:fillRef idx="1">
+            <a:schemeClr val="accent1"/>
+          </a:fillRef>
+          <a:effectRef idx="0">
+            <a:schemeClr val="accent1"/>
+          </a:effectRef>
+          <a:fontRef idx="minor">
+            <a:schemeClr val="lt1"/>
+          </a:fontRef>
+        </p:style>
+        <p:txBody>
+          <a:bodyPr rtlCol="0" anchor="ctr"/>
+          <a:lstStyle/>
+          <a:p>
+            <a:pPr algn="ctr"/>
+            <a:endParaRPr lang="pt-BR"/>
+          </a:p>
+        </p:txBody>
+      </p:sp>
+      <p:sp>
+        <p:nvSpPr>
+          <p:cNvPr id="5" name="Coração 4"/>
+          <p:cNvSpPr/>
           <p:nvPr/>
-        </p:nvPicPr>
-        <p:blipFill>
-          <a:blip r:embed="rId3">
-            <a:extLst>
-              <a:ext uri="{28A0092B-C50C-407E-A947-70E740481C1C}">
-                <a14:useLocalDpi xmlns:a14="http://schemas.microsoft.com/office/drawing/2010/main" val="0"/>
-              </a:ext>
-            </a:extLst>
-          </a:blip>
-          <a:srcRect/>
-          <a:stretch>
-            <a:fillRect/>
-          </a:stretch>
-        </p:blipFill>
-        <p:spPr bwMode="auto">
-          <a:xfrm>
-            <a:off x="310906" y="3284984"/>
-            <a:ext cx="3276601" cy="2844800"/>
-          </a:xfrm>
-          <a:prstGeom prst="rect">
+        </p:nvSpPr>
+        <p:spPr>
+          <a:xfrm>
+            <a:off x="2339752" y="3140968"/>
+            <a:ext cx="2880320" cy="2880320"/>
+          </a:xfrm>
+          <a:prstGeom prst="heart">
             <a:avLst/>
           </a:prstGeom>
-          <a:noFill/>
-          <a:extLst>
-            <a:ext uri="{909E8E84-426E-40DD-AFC4-6F175D3DCCD1}">
-              <a14:hiddenFill xmlns:a14="http://schemas.microsoft.com/office/drawing/2010/main">
-                <a:solidFill>
-                  <a:srgbClr val="FFFFFF"/>
-                </a:solidFill>
-              </a14:hiddenFill>
-            </a:ext>
-          </a:extLst>
-        </p:spPr>
-      </p:pic>
-      <p:pic>
-        <p:nvPicPr>
-          <p:cNvPr id="16" name="Picture 14" descr="C:\Users\u18189\Desktop\Ludit\Sketch\Games\1x\hexagono_red.png"/>
-          <p:cNvPicPr>
-            <a:picLocks noChangeAspect="1" noChangeArrowheads="1"/>
-          </p:cNvPicPr>
+          <a:solidFill>
+            <a:srgbClr val="E74C3C"/>
+          </a:solidFill>
+          <a:ln>
+            <a:noFill/>
+          </a:ln>
+        </p:spPr>
+        <p:style>
+          <a:lnRef idx="2">
+            <a:schemeClr val="accent1">
+              <a:shade val="50000"/>
+            </a:schemeClr>
+          </a:lnRef>
+          <a:fillRef idx="1">
+            <a:schemeClr val="accent1"/>
+          </a:fillRef>
+          <a:effectRef idx="0">
+            <a:schemeClr val="accent1"/>
+          </a:effectRef>
+          <a:fontRef idx="minor">
+            <a:schemeClr val="lt1"/>
+          </a:fontRef>
+        </p:style>
+        <p:txBody>
+          <a:bodyPr rtlCol="0" anchor="ctr"/>
+          <a:lstStyle/>
+          <a:p>
+            <a:pPr algn="ctr"/>
+            <a:endParaRPr lang="pt-BR"/>
+          </a:p>
+        </p:txBody>
+      </p:sp>
+      <p:sp>
+        <p:nvSpPr>
+          <p:cNvPr id="6" name="Coração 5"/>
+          <p:cNvSpPr/>
           <p:nvPr/>
-        </p:nvPicPr>
-        <p:blipFill>
-          <a:blip r:embed="rId4">
-            <a:extLst>
-              <a:ext uri="{28A0092B-C50C-407E-A947-70E740481C1C}">
-                <a14:useLocalDpi xmlns:a14="http://schemas.microsoft.com/office/drawing/2010/main" val="0"/>
-              </a:ext>
-            </a:extLst>
-          </a:blip>
-          <a:srcRect/>
-          <a:stretch>
-            <a:fillRect/>
-          </a:stretch>
-        </p:blipFill>
-        <p:spPr bwMode="auto">
-          <a:xfrm>
-            <a:off x="539552" y="476672"/>
-            <a:ext cx="2819310" cy="2427436"/>
-          </a:xfrm>
-          <a:prstGeom prst="rect">
+        </p:nvSpPr>
+        <p:spPr>
+          <a:xfrm>
+            <a:off x="4716016" y="551114"/>
+            <a:ext cx="2880320" cy="2880320"/>
+          </a:xfrm>
+          <a:prstGeom prst="heart">
             <a:avLst/>
           </a:prstGeom>
-          <a:noFill/>
-          <a:extLst>
-            <a:ext uri="{909E8E84-426E-40DD-AFC4-6F175D3DCCD1}">
-              <a14:hiddenFill xmlns:a14="http://schemas.microsoft.com/office/drawing/2010/main">
-                <a:solidFill>
-                  <a:srgbClr val="FFFFFF"/>
-                </a:solidFill>
-              </a14:hiddenFill>
-            </a:ext>
-          </a:extLst>
-        </p:spPr>
-      </p:pic>
-      <p:pic>
-        <p:nvPicPr>
-          <p:cNvPr id="17" name="Picture 15" descr="C:\Users\u18189\Desktop\Ludit\Sketch\Games\1x\hexagono_yellow.png"/>
-          <p:cNvPicPr>
-            <a:picLocks noChangeAspect="1" noChangeArrowheads="1"/>
-          </p:cNvPicPr>
+          <a:solidFill>
+            <a:srgbClr val="2ECC71"/>
+          </a:solidFill>
+          <a:ln>
+            <a:noFill/>
+          </a:ln>
+        </p:spPr>
+        <p:style>
+          <a:lnRef idx="2">
+            <a:schemeClr val="accent1">
+              <a:shade val="50000"/>
+            </a:schemeClr>
+          </a:lnRef>
+          <a:fillRef idx="1">
+            <a:schemeClr val="accent1"/>
+          </a:fillRef>
+          <a:effectRef idx="0">
+            <a:schemeClr val="accent1"/>
+          </a:effectRef>
+          <a:fontRef idx="minor">
+            <a:schemeClr val="lt1"/>
+          </a:fontRef>
+        </p:style>
+        <p:txBody>
+          <a:bodyPr rtlCol="0" anchor="ctr"/>
+          <a:lstStyle/>
+          <a:p>
+            <a:pPr algn="ctr"/>
+            <a:endParaRPr lang="pt-BR"/>
+          </a:p>
+        </p:txBody>
+      </p:sp>
+      <p:sp>
+        <p:nvSpPr>
+          <p:cNvPr id="7" name="Coração 6"/>
+          <p:cNvSpPr/>
           <p:nvPr/>
-        </p:nvPicPr>
-        <p:blipFill>
-          <a:blip r:embed="rId5">
-            <a:extLst>
-              <a:ext uri="{28A0092B-C50C-407E-A947-70E740481C1C}">
-                <a14:useLocalDpi xmlns:a14="http://schemas.microsoft.com/office/drawing/2010/main" val="0"/>
-              </a:ext>
-            </a:extLst>
-          </a:blip>
-          <a:srcRect/>
-          <a:stretch>
-            <a:fillRect/>
-          </a:stretch>
-        </p:blipFill>
-        <p:spPr bwMode="auto">
-          <a:xfrm>
-            <a:off x="3923927" y="3325203"/>
-            <a:ext cx="3276601" cy="2832100"/>
-          </a:xfrm>
-          <a:prstGeom prst="rect">
+        </p:nvSpPr>
+        <p:spPr>
+          <a:xfrm>
+            <a:off x="6156176" y="3431434"/>
+            <a:ext cx="2880320" cy="2880320"/>
+          </a:xfrm>
+          <a:prstGeom prst="heart">
             <a:avLst/>
           </a:prstGeom>
-          <a:noFill/>
-          <a:extLst>
-            <a:ext uri="{909E8E84-426E-40DD-AFC4-6F175D3DCCD1}">
-              <a14:hiddenFill xmlns:a14="http://schemas.microsoft.com/office/drawing/2010/main">
-                <a:solidFill>
-                  <a:srgbClr val="FFFFFF"/>
-                </a:solidFill>
-              </a14:hiddenFill>
-            </a:ext>
-          </a:extLst>
-        </p:spPr>
-      </p:pic>
+          <a:solidFill>
+            <a:srgbClr val="F1C410"/>
+          </a:solidFill>
+          <a:ln>
+            <a:noFill/>
+          </a:ln>
+        </p:spPr>
+        <p:style>
+          <a:lnRef idx="2">
+            <a:schemeClr val="accent1">
+              <a:shade val="50000"/>
+            </a:schemeClr>
+          </a:lnRef>
+          <a:fillRef idx="1">
+            <a:schemeClr val="accent1"/>
+          </a:fillRef>
+          <a:effectRef idx="0">
+            <a:schemeClr val="accent1"/>
+          </a:effectRef>
+          <a:fontRef idx="minor">
+            <a:schemeClr val="lt1"/>
+          </a:fontRef>
+        </p:style>
+        <p:txBody>
+          <a:bodyPr rtlCol="0" anchor="ctr"/>
+          <a:lstStyle/>
+          <a:p>
+            <a:pPr algn="ctr"/>
+            <a:endParaRPr lang="pt-BR"/>
+          </a:p>
+        </p:txBody>
+      </p:sp>
     </p:spTree>
     <p:extLst>
       <p:ext uri="{BB962C8B-B14F-4D97-AF65-F5344CB8AC3E}">
-        <p14:creationId xmlns:p14="http://schemas.microsoft.com/office/powerpoint/2010/main" val="3790126661"/>
+        <p14:creationId xmlns:p14="http://schemas.microsoft.com/office/powerpoint/2010/main" val="166310931"/>
       </p:ext>
     </p:extLst>
   </p:cSld>
@@ -3506,174 +3884,194 @@
           <a:chExt cx="0" cy="0"/>
         </a:xfrm>
       </p:grpSpPr>
-      <p:pic>
-        <p:nvPicPr>
-          <p:cNvPr id="18" name="Picture 18" descr="C:\Users\u18189\Desktop\Ludit\Sketch\Games\1x\rectangle_blue.png"/>
-          <p:cNvPicPr>
-            <a:picLocks noChangeAspect="1" noChangeArrowheads="1"/>
-          </p:cNvPicPr>
+      <p:sp>
+        <p:nvSpPr>
+          <p:cNvPr id="6" name="Hexágono 5"/>
+          <p:cNvSpPr/>
           <p:nvPr/>
-        </p:nvPicPr>
-        <p:blipFill>
-          <a:blip r:embed="rId2">
-            <a:extLst>
-              <a:ext uri="{28A0092B-C50C-407E-A947-70E740481C1C}">
-                <a14:useLocalDpi xmlns:a14="http://schemas.microsoft.com/office/drawing/2010/main" val="0"/>
-              </a:ext>
-            </a:extLst>
-          </a:blip>
-          <a:srcRect/>
-          <a:stretch>
-            <a:fillRect/>
-          </a:stretch>
-        </p:blipFill>
-        <p:spPr bwMode="auto">
-          <a:xfrm>
-            <a:off x="467544" y="980728"/>
-            <a:ext cx="3697288" cy="2260600"/>
-          </a:xfrm>
-          <a:prstGeom prst="rect">
+        </p:nvSpPr>
+        <p:spPr>
+          <a:xfrm>
+            <a:off x="899592" y="188639"/>
+            <a:ext cx="3672408" cy="3165869"/>
+          </a:xfrm>
+          <a:prstGeom prst="hexagon">
             <a:avLst/>
           </a:prstGeom>
-          <a:noFill/>
-          <a:extLst>
-            <a:ext uri="{909E8E84-426E-40DD-AFC4-6F175D3DCCD1}">
-              <a14:hiddenFill xmlns:a14="http://schemas.microsoft.com/office/drawing/2010/main">
-                <a:solidFill>
-                  <a:srgbClr val="FFFFFF"/>
-                </a:solidFill>
-              </a14:hiddenFill>
-            </a:ext>
-          </a:extLst>
-        </p:spPr>
-      </p:pic>
-      <p:pic>
-        <p:nvPicPr>
-          <p:cNvPr id="19" name="Picture 19" descr="C:\Users\u18189\Desktop\Ludit\Sketch\Games\1x\rectangle_green.png"/>
-          <p:cNvPicPr>
-            <a:picLocks noChangeAspect="1" noChangeArrowheads="1"/>
-          </p:cNvPicPr>
+          <a:solidFill>
+            <a:srgbClr val="3498DB"/>
+          </a:solidFill>
+          <a:ln>
+            <a:noFill/>
+          </a:ln>
+        </p:spPr>
+        <p:style>
+          <a:lnRef idx="2">
+            <a:schemeClr val="accent1">
+              <a:shade val="50000"/>
+            </a:schemeClr>
+          </a:lnRef>
+          <a:fillRef idx="1">
+            <a:schemeClr val="accent1"/>
+          </a:fillRef>
+          <a:effectRef idx="0">
+            <a:schemeClr val="accent1"/>
+          </a:effectRef>
+          <a:fontRef idx="minor">
+            <a:schemeClr val="lt1"/>
+          </a:fontRef>
+        </p:style>
+        <p:txBody>
+          <a:bodyPr rtlCol="0" anchor="ctr"/>
+          <a:lstStyle/>
+          <a:p>
+            <a:pPr algn="ctr"/>
+            <a:endParaRPr lang="pt-BR"/>
+          </a:p>
+        </p:txBody>
+      </p:sp>
+      <p:sp>
+        <p:nvSpPr>
+          <p:cNvPr id="7" name="Hexágono 6"/>
+          <p:cNvSpPr/>
           <p:nvPr/>
-        </p:nvPicPr>
-        <p:blipFill>
-          <a:blip r:embed="rId3">
-            <a:extLst>
-              <a:ext uri="{28A0092B-C50C-407E-A947-70E740481C1C}">
-                <a14:useLocalDpi xmlns:a14="http://schemas.microsoft.com/office/drawing/2010/main" val="0"/>
-              </a:ext>
-            </a:extLst>
-          </a:blip>
-          <a:srcRect/>
-          <a:stretch>
-            <a:fillRect/>
-          </a:stretch>
-        </p:blipFill>
-        <p:spPr bwMode="auto">
-          <a:xfrm>
-            <a:off x="4355976" y="3531096"/>
-            <a:ext cx="3684588" cy="2260600"/>
-          </a:xfrm>
-          <a:prstGeom prst="rect">
+        </p:nvSpPr>
+        <p:spPr>
+          <a:xfrm>
+            <a:off x="899592" y="3474887"/>
+            <a:ext cx="3672408" cy="3165869"/>
+          </a:xfrm>
+          <a:prstGeom prst="hexagon">
             <a:avLst/>
           </a:prstGeom>
-          <a:noFill/>
-          <a:extLst>
-            <a:ext uri="{909E8E84-426E-40DD-AFC4-6F175D3DCCD1}">
-              <a14:hiddenFill xmlns:a14="http://schemas.microsoft.com/office/drawing/2010/main">
-                <a:solidFill>
-                  <a:srgbClr val="FFFFFF"/>
-                </a:solidFill>
-              </a14:hiddenFill>
-            </a:ext>
-          </a:extLst>
-        </p:spPr>
-      </p:pic>
-      <p:pic>
-        <p:nvPicPr>
-          <p:cNvPr id="20" name="Picture 20" descr="C:\Users\u18189\Desktop\Ludit\Sketch\Games\1x\rectangle_red.png"/>
-          <p:cNvPicPr>
-            <a:picLocks noChangeAspect="1" noChangeArrowheads="1"/>
-          </p:cNvPicPr>
+          <a:solidFill>
+            <a:srgbClr val="2ECC71"/>
+          </a:solidFill>
+          <a:ln>
+            <a:noFill/>
+          </a:ln>
+        </p:spPr>
+        <p:style>
+          <a:lnRef idx="2">
+            <a:schemeClr val="accent1">
+              <a:shade val="50000"/>
+            </a:schemeClr>
+          </a:lnRef>
+          <a:fillRef idx="1">
+            <a:schemeClr val="accent1"/>
+          </a:fillRef>
+          <a:effectRef idx="0">
+            <a:schemeClr val="accent1"/>
+          </a:effectRef>
+          <a:fontRef idx="minor">
+            <a:schemeClr val="lt1"/>
+          </a:fontRef>
+        </p:style>
+        <p:txBody>
+          <a:bodyPr rtlCol="0" anchor="ctr"/>
+          <a:lstStyle/>
+          <a:p>
+            <a:pPr algn="ctr"/>
+            <a:endParaRPr lang="pt-BR"/>
+          </a:p>
+        </p:txBody>
+      </p:sp>
+      <p:sp>
+        <p:nvSpPr>
+          <p:cNvPr id="8" name="Hexágono 7"/>
+          <p:cNvSpPr/>
           <p:nvPr/>
-        </p:nvPicPr>
-        <p:blipFill>
-          <a:blip r:embed="rId4">
-            <a:extLst>
-              <a:ext uri="{28A0092B-C50C-407E-A947-70E740481C1C}">
-                <a14:useLocalDpi xmlns:a14="http://schemas.microsoft.com/office/drawing/2010/main" val="0"/>
-              </a:ext>
-            </a:extLst>
-          </a:blip>
-          <a:srcRect/>
-          <a:stretch>
-            <a:fillRect/>
-          </a:stretch>
-        </p:blipFill>
-        <p:spPr bwMode="auto">
-          <a:xfrm>
-            <a:off x="452601" y="3501008"/>
-            <a:ext cx="3697288" cy="2260600"/>
-          </a:xfrm>
-          <a:prstGeom prst="rect">
+        </p:nvSpPr>
+        <p:spPr>
+          <a:xfrm>
+            <a:off x="5148064" y="188640"/>
+            <a:ext cx="3672408" cy="3165869"/>
+          </a:xfrm>
+          <a:prstGeom prst="hexagon">
             <a:avLst/>
           </a:prstGeom>
-          <a:noFill/>
-          <a:extLst>
-            <a:ext uri="{909E8E84-426E-40DD-AFC4-6F175D3DCCD1}">
-              <a14:hiddenFill xmlns:a14="http://schemas.microsoft.com/office/drawing/2010/main">
-                <a:solidFill>
-                  <a:srgbClr val="FFFFFF"/>
-                </a:solidFill>
-              </a14:hiddenFill>
-            </a:ext>
-          </a:extLst>
-        </p:spPr>
-      </p:pic>
-      <p:pic>
-        <p:nvPicPr>
-          <p:cNvPr id="21" name="Picture 21" descr="C:\Users\u18189\Desktop\Ludit\Sketch\Games\1x\rectangle_yellow.png"/>
-          <p:cNvPicPr>
-            <a:picLocks noChangeAspect="1" noChangeArrowheads="1"/>
-          </p:cNvPicPr>
+          <a:solidFill>
+            <a:srgbClr val="F1C410"/>
+          </a:solidFill>
+          <a:ln>
+            <a:noFill/>
+          </a:ln>
+        </p:spPr>
+        <p:style>
+          <a:lnRef idx="2">
+            <a:schemeClr val="accent1">
+              <a:shade val="50000"/>
+            </a:schemeClr>
+          </a:lnRef>
+          <a:fillRef idx="1">
+            <a:schemeClr val="accent1"/>
+          </a:fillRef>
+          <a:effectRef idx="0">
+            <a:schemeClr val="accent1"/>
+          </a:effectRef>
+          <a:fontRef idx="minor">
+            <a:schemeClr val="lt1"/>
+          </a:fontRef>
+        </p:style>
+        <p:txBody>
+          <a:bodyPr rtlCol="0" anchor="ctr"/>
+          <a:lstStyle/>
+          <a:p>
+            <a:pPr algn="ctr"/>
+            <a:endParaRPr lang="pt-BR"/>
+          </a:p>
+        </p:txBody>
+      </p:sp>
+      <p:sp>
+        <p:nvSpPr>
+          <p:cNvPr id="9" name="Hexágono 8"/>
+          <p:cNvSpPr/>
           <p:nvPr/>
-        </p:nvPicPr>
-        <p:blipFill>
-          <a:blip r:embed="rId5">
-            <a:extLst>
-              <a:ext uri="{28A0092B-C50C-407E-A947-70E740481C1C}">
-                <a14:useLocalDpi xmlns:a14="http://schemas.microsoft.com/office/drawing/2010/main" val="0"/>
-              </a:ext>
-            </a:extLst>
-          </a:blip>
-          <a:srcRect/>
-          <a:stretch>
-            <a:fillRect/>
-          </a:stretch>
-        </p:blipFill>
-        <p:spPr bwMode="auto">
-          <a:xfrm>
-            <a:off x="4499992" y="919588"/>
-            <a:ext cx="3684588" cy="2260600"/>
-          </a:xfrm>
-          <a:prstGeom prst="rect">
+        </p:nvSpPr>
+        <p:spPr>
+          <a:xfrm>
+            <a:off x="5148064" y="3474887"/>
+            <a:ext cx="3672408" cy="3165869"/>
+          </a:xfrm>
+          <a:prstGeom prst="hexagon">
             <a:avLst/>
           </a:prstGeom>
-          <a:noFill/>
-          <a:extLst>
-            <a:ext uri="{909E8E84-426E-40DD-AFC4-6F175D3DCCD1}">
-              <a14:hiddenFill xmlns:a14="http://schemas.microsoft.com/office/drawing/2010/main">
-                <a:solidFill>
-                  <a:srgbClr val="FFFFFF"/>
-                </a:solidFill>
-              </a14:hiddenFill>
-            </a:ext>
-          </a:extLst>
-        </p:spPr>
-      </p:pic>
+          <a:solidFill>
+            <a:srgbClr val="E74C3C"/>
+          </a:solidFill>
+          <a:ln>
+            <a:noFill/>
+          </a:ln>
+        </p:spPr>
+        <p:style>
+          <a:lnRef idx="2">
+            <a:schemeClr val="accent1">
+              <a:shade val="50000"/>
+            </a:schemeClr>
+          </a:lnRef>
+          <a:fillRef idx="1">
+            <a:schemeClr val="accent1"/>
+          </a:fillRef>
+          <a:effectRef idx="0">
+            <a:schemeClr val="accent1"/>
+          </a:effectRef>
+          <a:fontRef idx="minor">
+            <a:schemeClr val="lt1"/>
+          </a:fontRef>
+        </p:style>
+        <p:txBody>
+          <a:bodyPr rtlCol="0" anchor="ctr"/>
+          <a:lstStyle/>
+          <a:p>
+            <a:pPr algn="ctr"/>
+            <a:endParaRPr lang="pt-BR"/>
+          </a:p>
+        </p:txBody>
+      </p:sp>
     </p:spTree>
     <p:extLst>
       <p:ext uri="{BB962C8B-B14F-4D97-AF65-F5344CB8AC3E}">
-        <p14:creationId xmlns:p14="http://schemas.microsoft.com/office/powerpoint/2010/main" val="2786375292"/>
+        <p14:creationId xmlns:p14="http://schemas.microsoft.com/office/powerpoint/2010/main" val="3790126661"/>
       </p:ext>
     </p:extLst>
   </p:cSld>
@@ -3700,170 +4098,404 @@
           <a:chExt cx="0" cy="0"/>
         </a:xfrm>
       </p:grpSpPr>
-      <p:pic>
-        <p:nvPicPr>
-          <p:cNvPr id="10" name="Picture 8" descr="C:\Users\u18189\Desktop\Ludit\Sketch\Games\1x\circle_blue.png"/>
-          <p:cNvPicPr>
-            <a:picLocks noChangeAspect="1" noChangeArrowheads="1"/>
-          </p:cNvPicPr>
+      <p:sp>
+        <p:nvSpPr>
+          <p:cNvPr id="6" name="Retângulo de cantos arredondados 5"/>
+          <p:cNvSpPr/>
           <p:nvPr/>
-        </p:nvPicPr>
-        <p:blipFill>
-          <a:blip r:embed="rId2">
-            <a:extLst>
-              <a:ext uri="{28A0092B-C50C-407E-A947-70E740481C1C}">
-                <a14:useLocalDpi xmlns:a14="http://schemas.microsoft.com/office/drawing/2010/main" val="0"/>
-              </a:ext>
-            </a:extLst>
-          </a:blip>
-          <a:srcRect/>
-          <a:stretch>
-            <a:fillRect/>
-          </a:stretch>
-        </p:blipFill>
-        <p:spPr bwMode="auto">
-          <a:xfrm>
-            <a:off x="1475656" y="3742793"/>
-            <a:ext cx="2095501" cy="2095500"/>
-          </a:xfrm>
-          <a:prstGeom prst="rect">
+        </p:nvSpPr>
+        <p:spPr>
+          <a:xfrm>
+            <a:off x="4650042" y="1077588"/>
+            <a:ext cx="4493957" cy="2183597"/>
+          </a:xfrm>
+          <a:prstGeom prst="roundRect">
             <a:avLst/>
           </a:prstGeom>
-          <a:noFill/>
-          <a:extLst>
-            <a:ext uri="{909E8E84-426E-40DD-AFC4-6F175D3DCCD1}">
-              <a14:hiddenFill xmlns:a14="http://schemas.microsoft.com/office/drawing/2010/main">
-                <a:solidFill>
-                  <a:srgbClr val="FFFFFF"/>
-                </a:solidFill>
-              </a14:hiddenFill>
-            </a:ext>
-          </a:extLst>
-        </p:spPr>
-      </p:pic>
-      <p:pic>
-        <p:nvPicPr>
-          <p:cNvPr id="11" name="Picture 9" descr="C:\Users\u18189\Desktop\Ludit\Sketch\Games\1x\circle_green.png"/>
-          <p:cNvPicPr>
-            <a:picLocks noChangeAspect="1" noChangeArrowheads="1"/>
-          </p:cNvPicPr>
+          <a:solidFill>
+            <a:srgbClr val="3498DB"/>
+          </a:solidFill>
+          <a:ln>
+            <a:noFill/>
+          </a:ln>
+        </p:spPr>
+        <p:style>
+          <a:lnRef idx="2">
+            <a:schemeClr val="accent1">
+              <a:shade val="50000"/>
+            </a:schemeClr>
+          </a:lnRef>
+          <a:fillRef idx="1">
+            <a:schemeClr val="accent1"/>
+          </a:fillRef>
+          <a:effectRef idx="0">
+            <a:schemeClr val="accent1"/>
+          </a:effectRef>
+          <a:fontRef idx="minor">
+            <a:schemeClr val="lt1"/>
+          </a:fontRef>
+        </p:style>
+        <p:txBody>
+          <a:bodyPr rtlCol="0" anchor="ctr"/>
+          <a:lstStyle/>
+          <a:p>
+            <a:pPr algn="ctr"/>
+            <a:endParaRPr lang="pt-BR"/>
+          </a:p>
+        </p:txBody>
+      </p:sp>
+      <p:sp>
+        <p:nvSpPr>
+          <p:cNvPr id="9" name="Retângulo de cantos arredondados 8"/>
+          <p:cNvSpPr/>
           <p:nvPr/>
-        </p:nvPicPr>
-        <p:blipFill>
-          <a:blip r:embed="rId3">
-            <a:extLst>
-              <a:ext uri="{28A0092B-C50C-407E-A947-70E740481C1C}">
-                <a14:useLocalDpi xmlns:a14="http://schemas.microsoft.com/office/drawing/2010/main" val="0"/>
-              </a:ext>
-            </a:extLst>
-          </a:blip>
-          <a:srcRect/>
-          <a:stretch>
-            <a:fillRect/>
-          </a:stretch>
-        </p:blipFill>
-        <p:spPr bwMode="auto">
-          <a:xfrm>
-            <a:off x="5076056" y="3861048"/>
-            <a:ext cx="2108201" cy="2095500"/>
-          </a:xfrm>
-          <a:prstGeom prst="rect">
+        </p:nvSpPr>
+        <p:spPr>
+          <a:xfrm>
+            <a:off x="-16005" y="1196752"/>
+            <a:ext cx="4493957" cy="2183597"/>
+          </a:xfrm>
+          <a:prstGeom prst="roundRect">
             <a:avLst/>
           </a:prstGeom>
-          <a:noFill/>
-          <a:extLst>
-            <a:ext uri="{909E8E84-426E-40DD-AFC4-6F175D3DCCD1}">
-              <a14:hiddenFill xmlns:a14="http://schemas.microsoft.com/office/drawing/2010/main">
-                <a:solidFill>
-                  <a:srgbClr val="FFFFFF"/>
-                </a:solidFill>
-              </a14:hiddenFill>
-            </a:ext>
-          </a:extLst>
-        </p:spPr>
-      </p:pic>
-      <p:pic>
-        <p:nvPicPr>
-          <p:cNvPr id="12" name="Picture 10" descr="C:\Users\u18189\Desktop\Ludit\Sketch\Games\1x\circle_red.png"/>
-          <p:cNvPicPr>
-            <a:picLocks noChangeAspect="1" noChangeArrowheads="1"/>
-          </p:cNvPicPr>
+          <a:solidFill>
+            <a:srgbClr val="E74C3C"/>
+          </a:solidFill>
+          <a:ln>
+            <a:noFill/>
+          </a:ln>
+        </p:spPr>
+        <p:style>
+          <a:lnRef idx="2">
+            <a:schemeClr val="accent1">
+              <a:shade val="50000"/>
+            </a:schemeClr>
+          </a:lnRef>
+          <a:fillRef idx="1">
+            <a:schemeClr val="accent1"/>
+          </a:fillRef>
+          <a:effectRef idx="0">
+            <a:schemeClr val="accent1"/>
+          </a:effectRef>
+          <a:fontRef idx="minor">
+            <a:schemeClr val="lt1"/>
+          </a:fontRef>
+        </p:style>
+        <p:txBody>
+          <a:bodyPr rtlCol="0" anchor="ctr"/>
+          <a:lstStyle/>
+          <a:p>
+            <a:pPr algn="ctr"/>
+            <a:endParaRPr lang="pt-BR"/>
+          </a:p>
+        </p:txBody>
+      </p:sp>
+      <p:sp>
+        <p:nvSpPr>
+          <p:cNvPr id="10" name="Retângulo de cantos arredondados 9"/>
+          <p:cNvSpPr/>
           <p:nvPr/>
-        </p:nvPicPr>
-        <p:blipFill>
-          <a:blip r:embed="rId4">
-            <a:extLst>
-              <a:ext uri="{28A0092B-C50C-407E-A947-70E740481C1C}">
-                <a14:useLocalDpi xmlns:a14="http://schemas.microsoft.com/office/drawing/2010/main" val="0"/>
-              </a:ext>
-            </a:extLst>
-          </a:blip>
-          <a:srcRect/>
-          <a:stretch>
-            <a:fillRect/>
-          </a:stretch>
-        </p:blipFill>
-        <p:spPr bwMode="auto">
-          <a:xfrm>
-            <a:off x="5292080" y="527957"/>
-            <a:ext cx="2108201" cy="2095500"/>
-          </a:xfrm>
-          <a:prstGeom prst="rect">
+        </p:nvSpPr>
+        <p:spPr>
+          <a:xfrm>
+            <a:off x="-16005" y="3846924"/>
+            <a:ext cx="4493957" cy="2183597"/>
+          </a:xfrm>
+          <a:prstGeom prst="roundRect">
             <a:avLst/>
           </a:prstGeom>
-          <a:noFill/>
-          <a:extLst>
-            <a:ext uri="{909E8E84-426E-40DD-AFC4-6F175D3DCCD1}">
-              <a14:hiddenFill xmlns:a14="http://schemas.microsoft.com/office/drawing/2010/main">
-                <a:solidFill>
-                  <a:srgbClr val="FFFFFF"/>
-                </a:solidFill>
-              </a14:hiddenFill>
-            </a:ext>
-          </a:extLst>
-        </p:spPr>
-      </p:pic>
-      <p:pic>
-        <p:nvPicPr>
-          <p:cNvPr id="13" name="Picture 11" descr="C:\Users\u18189\Desktop\Ludit\Sketch\Games\1x\circle_yellow.png"/>
-          <p:cNvPicPr>
-            <a:picLocks noChangeAspect="1" noChangeArrowheads="1"/>
-          </p:cNvPicPr>
+          <a:solidFill>
+            <a:srgbClr val="F1C410"/>
+          </a:solidFill>
+          <a:ln>
+            <a:noFill/>
+          </a:ln>
+        </p:spPr>
+        <p:style>
+          <a:lnRef idx="2">
+            <a:schemeClr val="accent1">
+              <a:shade val="50000"/>
+            </a:schemeClr>
+          </a:lnRef>
+          <a:fillRef idx="1">
+            <a:schemeClr val="accent1"/>
+          </a:fillRef>
+          <a:effectRef idx="0">
+            <a:schemeClr val="accent1"/>
+          </a:effectRef>
+          <a:fontRef idx="minor">
+            <a:schemeClr val="lt1"/>
+          </a:fontRef>
+        </p:style>
+        <p:txBody>
+          <a:bodyPr rtlCol="0" anchor="ctr"/>
+          <a:lstStyle/>
+          <a:p>
+            <a:pPr algn="ctr"/>
+            <a:endParaRPr lang="pt-BR"/>
+          </a:p>
+        </p:txBody>
+      </p:sp>
+      <p:sp>
+        <p:nvSpPr>
+          <p:cNvPr id="11" name="Retângulo de cantos arredondados 10"/>
+          <p:cNvSpPr/>
           <p:nvPr/>
-        </p:nvPicPr>
-        <p:blipFill>
-          <a:blip r:embed="rId5">
-            <a:extLst>
-              <a:ext uri="{28A0092B-C50C-407E-A947-70E740481C1C}">
-                <a14:useLocalDpi xmlns:a14="http://schemas.microsoft.com/office/drawing/2010/main" val="0"/>
-              </a:ext>
-            </a:extLst>
-          </a:blip>
-          <a:srcRect/>
-          <a:stretch>
-            <a:fillRect/>
-          </a:stretch>
-        </p:blipFill>
-        <p:spPr bwMode="auto">
-          <a:xfrm>
-            <a:off x="1259632" y="521398"/>
-            <a:ext cx="2095501" cy="2095500"/>
-          </a:xfrm>
-          <a:prstGeom prst="rect">
+        </p:nvSpPr>
+        <p:spPr>
+          <a:xfrm>
+            <a:off x="4650043" y="3861048"/>
+            <a:ext cx="4493957" cy="2183597"/>
+          </a:xfrm>
+          <a:prstGeom prst="roundRect">
             <a:avLst/>
           </a:prstGeom>
-          <a:noFill/>
-          <a:extLst>
-            <a:ext uri="{909E8E84-426E-40DD-AFC4-6F175D3DCCD1}">
-              <a14:hiddenFill xmlns:a14="http://schemas.microsoft.com/office/drawing/2010/main">
-                <a:solidFill>
-                  <a:srgbClr val="FFFFFF"/>
-                </a:solidFill>
-              </a14:hiddenFill>
-            </a:ext>
-          </a:extLst>
-        </p:spPr>
-      </p:pic>
+          <a:solidFill>
+            <a:srgbClr val="2ECC71"/>
+          </a:solidFill>
+          <a:ln>
+            <a:noFill/>
+          </a:ln>
+        </p:spPr>
+        <p:style>
+          <a:lnRef idx="2">
+            <a:schemeClr val="accent1">
+              <a:shade val="50000"/>
+            </a:schemeClr>
+          </a:lnRef>
+          <a:fillRef idx="1">
+            <a:schemeClr val="accent1"/>
+          </a:fillRef>
+          <a:effectRef idx="0">
+            <a:schemeClr val="accent1"/>
+          </a:effectRef>
+          <a:fontRef idx="minor">
+            <a:schemeClr val="lt1"/>
+          </a:fontRef>
+        </p:style>
+        <p:txBody>
+          <a:bodyPr rtlCol="0" anchor="ctr"/>
+          <a:lstStyle/>
+          <a:p>
+            <a:pPr algn="ctr"/>
+            <a:endParaRPr lang="pt-BR"/>
+          </a:p>
+        </p:txBody>
+      </p:sp>
+    </p:spTree>
+    <p:extLst>
+      <p:ext uri="{BB962C8B-B14F-4D97-AF65-F5344CB8AC3E}">
+        <p14:creationId xmlns:p14="http://schemas.microsoft.com/office/powerpoint/2010/main" val="2786375292"/>
+      </p:ext>
+    </p:extLst>
+  </p:cSld>
+  <p:clrMapOvr>
+    <a:masterClrMapping/>
+  </p:clrMapOvr>
+</p:sld>
+</file>
+
+<file path=ppt/slides/slide5.xml><?xml version="1.0" encoding="utf-8"?>
+<p:sld xmlns:a="http://schemas.openxmlformats.org/drawingml/2006/main" xmlns:r="http://schemas.openxmlformats.org/officeDocument/2006/relationships" xmlns:p="http://schemas.openxmlformats.org/presentationml/2006/main">
+  <p:cSld>
+    <p:spTree>
+      <p:nvGrpSpPr>
+        <p:cNvPr id="1" name=""/>
+        <p:cNvGrpSpPr/>
+        <p:nvPr/>
+      </p:nvGrpSpPr>
+      <p:grpSpPr>
+        <a:xfrm>
+          <a:off x="0" y="0"/>
+          <a:ext cx="0" cy="0"/>
+          <a:chOff x="0" y="0"/>
+          <a:chExt cx="0" cy="0"/>
+        </a:xfrm>
+      </p:grpSpPr>
+      <p:sp>
+        <p:nvSpPr>
+          <p:cNvPr id="6" name="Elipse 5"/>
+          <p:cNvSpPr/>
+          <p:nvPr/>
+        </p:nvSpPr>
+        <p:spPr>
+          <a:xfrm>
+            <a:off x="323528" y="692671"/>
+            <a:ext cx="2736304" cy="2736304"/>
+          </a:xfrm>
+          <a:prstGeom prst="ellipse">
+            <a:avLst/>
+          </a:prstGeom>
+          <a:solidFill>
+            <a:srgbClr val="E74C3C"/>
+          </a:solidFill>
+          <a:ln>
+            <a:noFill/>
+          </a:ln>
+        </p:spPr>
+        <p:style>
+          <a:lnRef idx="2">
+            <a:schemeClr val="accent1">
+              <a:shade val="50000"/>
+            </a:schemeClr>
+          </a:lnRef>
+          <a:fillRef idx="1">
+            <a:schemeClr val="accent1"/>
+          </a:fillRef>
+          <a:effectRef idx="0">
+            <a:schemeClr val="accent1"/>
+          </a:effectRef>
+          <a:fontRef idx="minor">
+            <a:schemeClr val="lt1"/>
+          </a:fontRef>
+        </p:style>
+        <p:txBody>
+          <a:bodyPr rtlCol="0" anchor="ctr"/>
+          <a:lstStyle/>
+          <a:p>
+            <a:pPr algn="ctr"/>
+            <a:endParaRPr lang="pt-BR"/>
+          </a:p>
+        </p:txBody>
+      </p:sp>
+      <p:sp>
+        <p:nvSpPr>
+          <p:cNvPr id="7" name="Elipse 6"/>
+          <p:cNvSpPr/>
+          <p:nvPr/>
+        </p:nvSpPr>
+        <p:spPr>
+          <a:xfrm>
+            <a:off x="1660848" y="3489994"/>
+            <a:ext cx="2736304" cy="2736304"/>
+          </a:xfrm>
+          <a:prstGeom prst="ellipse">
+            <a:avLst/>
+          </a:prstGeom>
+          <a:solidFill>
+            <a:srgbClr val="3498DB"/>
+          </a:solidFill>
+          <a:ln>
+            <a:noFill/>
+          </a:ln>
+        </p:spPr>
+        <p:style>
+          <a:lnRef idx="2">
+            <a:schemeClr val="accent1">
+              <a:shade val="50000"/>
+            </a:schemeClr>
+          </a:lnRef>
+          <a:fillRef idx="1">
+            <a:schemeClr val="accent1"/>
+          </a:fillRef>
+          <a:effectRef idx="0">
+            <a:schemeClr val="accent1"/>
+          </a:effectRef>
+          <a:fontRef idx="minor">
+            <a:schemeClr val="lt1"/>
+          </a:fontRef>
+        </p:style>
+        <p:txBody>
+          <a:bodyPr rtlCol="0" anchor="ctr"/>
+          <a:lstStyle/>
+          <a:p>
+            <a:pPr algn="ctr"/>
+            <a:endParaRPr lang="pt-BR"/>
+          </a:p>
+        </p:txBody>
+      </p:sp>
+      <p:sp>
+        <p:nvSpPr>
+          <p:cNvPr id="8" name="Elipse 7"/>
+          <p:cNvSpPr/>
+          <p:nvPr/>
+        </p:nvSpPr>
+        <p:spPr>
+          <a:xfrm>
+            <a:off x="6012160" y="3428975"/>
+            <a:ext cx="2736304" cy="2736304"/>
+          </a:xfrm>
+          <a:prstGeom prst="ellipse">
+            <a:avLst/>
+          </a:prstGeom>
+          <a:solidFill>
+            <a:srgbClr val="2ECC71"/>
+          </a:solidFill>
+          <a:ln>
+            <a:noFill/>
+          </a:ln>
+        </p:spPr>
+        <p:style>
+          <a:lnRef idx="2">
+            <a:schemeClr val="accent1">
+              <a:shade val="50000"/>
+            </a:schemeClr>
+          </a:lnRef>
+          <a:fillRef idx="1">
+            <a:schemeClr val="accent1"/>
+          </a:fillRef>
+          <a:effectRef idx="0">
+            <a:schemeClr val="accent1"/>
+          </a:effectRef>
+          <a:fontRef idx="minor">
+            <a:schemeClr val="lt1"/>
+          </a:fontRef>
+        </p:style>
+        <p:txBody>
+          <a:bodyPr rtlCol="0" anchor="ctr"/>
+          <a:lstStyle/>
+          <a:p>
+            <a:pPr algn="ctr"/>
+            <a:endParaRPr lang="pt-BR"/>
+          </a:p>
+        </p:txBody>
+      </p:sp>
+      <p:sp>
+        <p:nvSpPr>
+          <p:cNvPr id="9" name="Elipse 8"/>
+          <p:cNvSpPr/>
+          <p:nvPr/>
+        </p:nvSpPr>
+        <p:spPr>
+          <a:xfrm>
+            <a:off x="3995936" y="692671"/>
+            <a:ext cx="2736304" cy="2736304"/>
+          </a:xfrm>
+          <a:prstGeom prst="ellipse">
+            <a:avLst/>
+          </a:prstGeom>
+          <a:solidFill>
+            <a:srgbClr val="F1C410"/>
+          </a:solidFill>
+          <a:ln>
+            <a:noFill/>
+          </a:ln>
+        </p:spPr>
+        <p:style>
+          <a:lnRef idx="2">
+            <a:schemeClr val="accent1">
+              <a:shade val="50000"/>
+            </a:schemeClr>
+          </a:lnRef>
+          <a:fillRef idx="1">
+            <a:schemeClr val="accent1"/>
+          </a:fillRef>
+          <a:effectRef idx="0">
+            <a:schemeClr val="accent1"/>
+          </a:effectRef>
+          <a:fontRef idx="minor">
+            <a:schemeClr val="lt1"/>
+          </a:fontRef>
+        </p:style>
+        <p:txBody>
+          <a:bodyPr rtlCol="0" anchor="ctr"/>
+          <a:lstStyle/>
+          <a:p>
+            <a:pPr algn="ctr"/>
+            <a:endParaRPr lang="pt-BR"/>
+          </a:p>
+        </p:txBody>
+      </p:sp>
     </p:spTree>
     <p:extLst>
       <p:ext uri="{BB962C8B-B14F-4D97-AF65-F5344CB8AC3E}">
@@ -3877,7 +4509,221 @@
 </p:sld>
 </file>
 
-<file path=ppt/slides/slide5.xml><?xml version="1.0" encoding="utf-8"?>
+<file path=ppt/slides/slide6.xml><?xml version="1.0" encoding="utf-8"?>
+<p:sld xmlns:a="http://schemas.openxmlformats.org/drawingml/2006/main" xmlns:r="http://schemas.openxmlformats.org/officeDocument/2006/relationships" xmlns:p="http://schemas.openxmlformats.org/presentationml/2006/main">
+  <p:cSld>
+    <p:spTree>
+      <p:nvGrpSpPr>
+        <p:cNvPr id="1" name=""/>
+        <p:cNvGrpSpPr/>
+        <p:nvPr/>
+      </p:nvGrpSpPr>
+      <p:grpSpPr>
+        <a:xfrm>
+          <a:off x="0" y="0"/>
+          <a:ext cx="0" cy="0"/>
+          <a:chOff x="0" y="0"/>
+          <a:chExt cx="0" cy="0"/>
+        </a:xfrm>
+      </p:grpSpPr>
+      <p:sp>
+        <p:nvSpPr>
+          <p:cNvPr id="10" name="Triângulo isósceles 9"/>
+          <p:cNvSpPr/>
+          <p:nvPr/>
+        </p:nvSpPr>
+        <p:spPr>
+          <a:xfrm>
+            <a:off x="899592" y="404664"/>
+            <a:ext cx="3024336" cy="2646294"/>
+          </a:xfrm>
+          <a:prstGeom prst="triangle">
+            <a:avLst/>
+          </a:prstGeom>
+          <a:solidFill>
+            <a:srgbClr val="E74C3C"/>
+          </a:solidFill>
+          <a:ln>
+            <a:noFill/>
+          </a:ln>
+        </p:spPr>
+        <p:style>
+          <a:lnRef idx="2">
+            <a:schemeClr val="accent1">
+              <a:shade val="50000"/>
+            </a:schemeClr>
+          </a:lnRef>
+          <a:fillRef idx="1">
+            <a:schemeClr val="accent1"/>
+          </a:fillRef>
+          <a:effectRef idx="0">
+            <a:schemeClr val="accent1"/>
+          </a:effectRef>
+          <a:fontRef idx="minor">
+            <a:schemeClr val="lt1"/>
+          </a:fontRef>
+        </p:style>
+        <p:txBody>
+          <a:bodyPr rtlCol="0" anchor="ctr"/>
+          <a:lstStyle/>
+          <a:p>
+            <a:pPr algn="ctr"/>
+            <a:endParaRPr lang="pt-BR"/>
+          </a:p>
+        </p:txBody>
+      </p:sp>
+      <p:sp>
+        <p:nvSpPr>
+          <p:cNvPr id="13" name="Triângulo isósceles 12"/>
+          <p:cNvSpPr/>
+          <p:nvPr/>
+        </p:nvSpPr>
+        <p:spPr>
+          <a:xfrm>
+            <a:off x="4268192" y="3501008"/>
+            <a:ext cx="3024336" cy="2646294"/>
+          </a:xfrm>
+          <a:prstGeom prst="triangle">
+            <a:avLst/>
+          </a:prstGeom>
+          <a:solidFill>
+            <a:srgbClr val="F1C410"/>
+          </a:solidFill>
+          <a:ln>
+            <a:noFill/>
+          </a:ln>
+        </p:spPr>
+        <p:style>
+          <a:lnRef idx="2">
+            <a:schemeClr val="accent1">
+              <a:shade val="50000"/>
+            </a:schemeClr>
+          </a:lnRef>
+          <a:fillRef idx="1">
+            <a:schemeClr val="accent1"/>
+          </a:fillRef>
+          <a:effectRef idx="0">
+            <a:schemeClr val="accent1"/>
+          </a:effectRef>
+          <a:fontRef idx="minor">
+            <a:schemeClr val="lt1"/>
+          </a:fontRef>
+        </p:style>
+        <p:txBody>
+          <a:bodyPr rtlCol="0" anchor="ctr"/>
+          <a:lstStyle/>
+          <a:p>
+            <a:pPr algn="ctr"/>
+            <a:endParaRPr lang="pt-BR"/>
+          </a:p>
+        </p:txBody>
+      </p:sp>
+      <p:sp>
+        <p:nvSpPr>
+          <p:cNvPr id="14" name="Triângulo isósceles 13"/>
+          <p:cNvSpPr/>
+          <p:nvPr/>
+        </p:nvSpPr>
+        <p:spPr>
+          <a:xfrm>
+            <a:off x="1043608" y="3501008"/>
+            <a:ext cx="3024336" cy="2646294"/>
+          </a:xfrm>
+          <a:prstGeom prst="triangle">
+            <a:avLst/>
+          </a:prstGeom>
+          <a:solidFill>
+            <a:srgbClr val="3498DB"/>
+          </a:solidFill>
+          <a:ln>
+            <a:noFill/>
+          </a:ln>
+        </p:spPr>
+        <p:style>
+          <a:lnRef idx="2">
+            <a:schemeClr val="accent1">
+              <a:shade val="50000"/>
+            </a:schemeClr>
+          </a:lnRef>
+          <a:fillRef idx="1">
+            <a:schemeClr val="accent1"/>
+          </a:fillRef>
+          <a:effectRef idx="0">
+            <a:schemeClr val="accent1"/>
+          </a:effectRef>
+          <a:fontRef idx="minor">
+            <a:schemeClr val="lt1"/>
+          </a:fontRef>
+        </p:style>
+        <p:txBody>
+          <a:bodyPr rtlCol="0" anchor="ctr"/>
+          <a:lstStyle/>
+          <a:p>
+            <a:pPr algn="ctr"/>
+            <a:endParaRPr lang="pt-BR"/>
+          </a:p>
+        </p:txBody>
+      </p:sp>
+      <p:sp>
+        <p:nvSpPr>
+          <p:cNvPr id="15" name="Triângulo isósceles 14"/>
+          <p:cNvSpPr/>
+          <p:nvPr/>
+        </p:nvSpPr>
+        <p:spPr>
+          <a:xfrm>
+            <a:off x="4211960" y="404664"/>
+            <a:ext cx="3024336" cy="2646294"/>
+          </a:xfrm>
+          <a:prstGeom prst="triangle">
+            <a:avLst/>
+          </a:prstGeom>
+          <a:solidFill>
+            <a:srgbClr val="2ECC71"/>
+          </a:solidFill>
+          <a:ln>
+            <a:noFill/>
+          </a:ln>
+        </p:spPr>
+        <p:style>
+          <a:lnRef idx="2">
+            <a:schemeClr val="accent1">
+              <a:shade val="50000"/>
+            </a:schemeClr>
+          </a:lnRef>
+          <a:fillRef idx="1">
+            <a:schemeClr val="accent1"/>
+          </a:fillRef>
+          <a:effectRef idx="0">
+            <a:schemeClr val="accent1"/>
+          </a:effectRef>
+          <a:fontRef idx="minor">
+            <a:schemeClr val="lt1"/>
+          </a:fontRef>
+        </p:style>
+        <p:txBody>
+          <a:bodyPr rtlCol="0" anchor="ctr"/>
+          <a:lstStyle/>
+          <a:p>
+            <a:pPr algn="ctr"/>
+            <a:endParaRPr lang="pt-BR"/>
+          </a:p>
+        </p:txBody>
+      </p:sp>
+    </p:spTree>
+    <p:extLst>
+      <p:ext uri="{BB962C8B-B14F-4D97-AF65-F5344CB8AC3E}">
+        <p14:creationId xmlns:p14="http://schemas.microsoft.com/office/powerpoint/2010/main" val="1163278658"/>
+      </p:ext>
+    </p:extLst>
+  </p:cSld>
+  <p:clrMapOvr>
+    <a:masterClrMapping/>
+  </p:clrMapOvr>
+</p:sld>
+</file>
+
+<file path=ppt/slides/slide7.xml><?xml version="1.0" encoding="utf-8"?>
 <p:sld xmlns:a="http://schemas.openxmlformats.org/drawingml/2006/main" xmlns:r="http://schemas.openxmlformats.org/officeDocument/2006/relationships" xmlns:p="http://schemas.openxmlformats.org/presentationml/2006/main">
   <p:cSld>
     <p:spTree>
@@ -3917,200 +4763,6 @@
         </p:blipFill>
         <p:spPr bwMode="auto">
           <a:xfrm>
-            <a:off x="411954" y="3356992"/>
-            <a:ext cx="2921001" cy="2527300"/>
-          </a:xfrm>
-          <a:prstGeom prst="rect">
-            <a:avLst/>
-          </a:prstGeom>
-          <a:noFill/>
-          <a:extLst>
-            <a:ext uri="{909E8E84-426E-40DD-AFC4-6F175D3DCCD1}">
-              <a14:hiddenFill xmlns:a14="http://schemas.microsoft.com/office/drawing/2010/main">
-                <a:solidFill>
-                  <a:srgbClr val="FFFFFF"/>
-                </a:solidFill>
-              </a14:hiddenFill>
-            </a:ext>
-          </a:extLst>
-        </p:spPr>
-      </p:pic>
-      <p:pic>
-        <p:nvPicPr>
-          <p:cNvPr id="7" name="Picture 5" descr="C:\Users\u18189\Desktop\Ludit\Sketch\Games\1x\triangle_green.png"/>
-          <p:cNvPicPr>
-            <a:picLocks noChangeAspect="1" noChangeArrowheads="1"/>
-          </p:cNvPicPr>
-          <p:nvPr/>
-        </p:nvPicPr>
-        <p:blipFill>
-          <a:blip r:embed="rId3">
-            <a:extLst>
-              <a:ext uri="{28A0092B-C50C-407E-A947-70E740481C1C}">
-                <a14:useLocalDpi xmlns:a14="http://schemas.microsoft.com/office/drawing/2010/main" val="0"/>
-              </a:ext>
-            </a:extLst>
-          </a:blip>
-          <a:srcRect/>
-          <a:stretch>
-            <a:fillRect/>
-          </a:stretch>
-        </p:blipFill>
-        <p:spPr bwMode="auto">
-          <a:xfrm>
-            <a:off x="4856270" y="3351110"/>
-            <a:ext cx="2921001" cy="2527300"/>
-          </a:xfrm>
-          <a:prstGeom prst="rect">
-            <a:avLst/>
-          </a:prstGeom>
-          <a:noFill/>
-          <a:extLst>
-            <a:ext uri="{909E8E84-426E-40DD-AFC4-6F175D3DCCD1}">
-              <a14:hiddenFill xmlns:a14="http://schemas.microsoft.com/office/drawing/2010/main">
-                <a:solidFill>
-                  <a:srgbClr val="FFFFFF"/>
-                </a:solidFill>
-              </a14:hiddenFill>
-            </a:ext>
-          </a:extLst>
-        </p:spPr>
-      </p:pic>
-      <p:pic>
-        <p:nvPicPr>
-          <p:cNvPr id="8" name="Picture 6" descr="C:\Users\u18189\Desktop\Ludit\Sketch\Games\1x\triangle_red.png"/>
-          <p:cNvPicPr>
-            <a:picLocks noChangeAspect="1" noChangeArrowheads="1"/>
-          </p:cNvPicPr>
-          <p:nvPr/>
-        </p:nvPicPr>
-        <p:blipFill>
-          <a:blip r:embed="rId4">
-            <a:extLst>
-              <a:ext uri="{28A0092B-C50C-407E-A947-70E740481C1C}">
-                <a14:useLocalDpi xmlns:a14="http://schemas.microsoft.com/office/drawing/2010/main" val="0"/>
-              </a:ext>
-            </a:extLst>
-          </a:blip>
-          <a:srcRect/>
-          <a:stretch>
-            <a:fillRect/>
-          </a:stretch>
-        </p:blipFill>
-        <p:spPr bwMode="auto">
-          <a:xfrm>
-            <a:off x="1078150" y="260648"/>
-            <a:ext cx="2921001" cy="2527300"/>
-          </a:xfrm>
-          <a:prstGeom prst="rect">
-            <a:avLst/>
-          </a:prstGeom>
-          <a:noFill/>
-          <a:extLst>
-            <a:ext uri="{909E8E84-426E-40DD-AFC4-6F175D3DCCD1}">
-              <a14:hiddenFill xmlns:a14="http://schemas.microsoft.com/office/drawing/2010/main">
-                <a:solidFill>
-                  <a:srgbClr val="FFFFFF"/>
-                </a:solidFill>
-              </a14:hiddenFill>
-            </a:ext>
-          </a:extLst>
-        </p:spPr>
-      </p:pic>
-      <p:pic>
-        <p:nvPicPr>
-          <p:cNvPr id="9" name="Picture 7" descr="C:\Users\u18189\Desktop\Ludit\Sketch\Games\1x\triangle_yellow.png"/>
-          <p:cNvPicPr>
-            <a:picLocks noChangeAspect="1" noChangeArrowheads="1"/>
-          </p:cNvPicPr>
-          <p:nvPr/>
-        </p:nvPicPr>
-        <p:blipFill>
-          <a:blip r:embed="rId5">
-            <a:extLst>
-              <a:ext uri="{28A0092B-C50C-407E-A947-70E740481C1C}">
-                <a14:useLocalDpi xmlns:a14="http://schemas.microsoft.com/office/drawing/2010/main" val="0"/>
-              </a:ext>
-            </a:extLst>
-          </a:blip>
-          <a:srcRect/>
-          <a:stretch>
-            <a:fillRect/>
-          </a:stretch>
-        </p:blipFill>
-        <p:spPr bwMode="auto">
-          <a:xfrm>
-            <a:off x="4427984" y="548680"/>
-            <a:ext cx="2921001" cy="2540000"/>
-          </a:xfrm>
-          <a:prstGeom prst="rect">
-            <a:avLst/>
-          </a:prstGeom>
-          <a:noFill/>
-          <a:extLst>
-            <a:ext uri="{909E8E84-426E-40DD-AFC4-6F175D3DCCD1}">
-              <a14:hiddenFill xmlns:a14="http://schemas.microsoft.com/office/drawing/2010/main">
-                <a:solidFill>
-                  <a:srgbClr val="FFFFFF"/>
-                </a:solidFill>
-              </a14:hiddenFill>
-            </a:ext>
-          </a:extLst>
-        </p:spPr>
-      </p:pic>
-    </p:spTree>
-    <p:extLst>
-      <p:ext uri="{BB962C8B-B14F-4D97-AF65-F5344CB8AC3E}">
-        <p14:creationId xmlns:p14="http://schemas.microsoft.com/office/powerpoint/2010/main" val="1163278658"/>
-      </p:ext>
-    </p:extLst>
-  </p:cSld>
-  <p:clrMapOvr>
-    <a:masterClrMapping/>
-  </p:clrMapOvr>
-</p:sld>
-</file>
-
-<file path=ppt/slides/slide6.xml><?xml version="1.0" encoding="utf-8"?>
-<p:sld xmlns:a="http://schemas.openxmlformats.org/drawingml/2006/main" xmlns:r="http://schemas.openxmlformats.org/officeDocument/2006/relationships" xmlns:p="http://schemas.openxmlformats.org/presentationml/2006/main">
-  <p:cSld>
-    <p:spTree>
-      <p:nvGrpSpPr>
-        <p:cNvPr id="1" name=""/>
-        <p:cNvGrpSpPr/>
-        <p:nvPr/>
-      </p:nvGrpSpPr>
-      <p:grpSpPr>
-        <a:xfrm>
-          <a:off x="0" y="0"/>
-          <a:ext cx="0" cy="0"/>
-          <a:chOff x="0" y="0"/>
-          <a:chExt cx="0" cy="0"/>
-        </a:xfrm>
-      </p:grpSpPr>
-      <p:pic>
-        <p:nvPicPr>
-          <p:cNvPr id="6" name="Picture 4" descr="C:\Users\u18189\Desktop\Ludit\Sketch\Games\1x\triangle_blue.png"/>
-          <p:cNvPicPr>
-            <a:picLocks noChangeAspect="1" noChangeArrowheads="1"/>
-          </p:cNvPicPr>
-          <p:nvPr/>
-        </p:nvPicPr>
-        <p:blipFill>
-          <a:blip r:embed="rId2">
-            <a:extLst>
-              <a:ext uri="{28A0092B-C50C-407E-A947-70E740481C1C}">
-                <a14:useLocalDpi xmlns:a14="http://schemas.microsoft.com/office/drawing/2010/main" val="0"/>
-              </a:ext>
-            </a:extLst>
-          </a:blip>
-          <a:srcRect/>
-          <a:stretch>
-            <a:fillRect/>
-          </a:stretch>
-        </p:blipFill>
-        <p:spPr bwMode="auto">
-          <a:xfrm>
             <a:off x="0" y="3359150"/>
             <a:ext cx="2921001" cy="2527300"/>
           </a:xfrm>
@@ -4170,129 +4822,194 @@
           </a:extLst>
         </p:spPr>
       </p:pic>
-      <p:pic>
-        <p:nvPicPr>
-          <p:cNvPr id="14" name="Picture 12" descr="C:\Users\u18189\Desktop\Ludit\Sketch\Games\1x\hexagono_blue.png"/>
-          <p:cNvPicPr>
-            <a:picLocks noChangeAspect="1" noChangeArrowheads="1"/>
-          </p:cNvPicPr>
+      <p:sp>
+        <p:nvSpPr>
+          <p:cNvPr id="7" name="Estrela de 5 pontas 6"/>
+          <p:cNvSpPr/>
           <p:nvPr/>
-        </p:nvPicPr>
-        <p:blipFill>
-          <a:blip r:embed="rId4">
-            <a:extLst>
-              <a:ext uri="{28A0092B-C50C-407E-A947-70E740481C1C}">
-                <a14:useLocalDpi xmlns:a14="http://schemas.microsoft.com/office/drawing/2010/main" val="0"/>
-              </a:ext>
-            </a:extLst>
-          </a:blip>
-          <a:srcRect/>
-          <a:stretch>
-            <a:fillRect/>
-          </a:stretch>
-        </p:blipFill>
-        <p:spPr bwMode="auto">
-          <a:xfrm>
-            <a:off x="3347864" y="3200400"/>
-            <a:ext cx="3289301" cy="2844800"/>
-          </a:xfrm>
-          <a:prstGeom prst="rect">
+        </p:nvSpPr>
+        <p:spPr>
+          <a:xfrm>
+            <a:off x="251520" y="-159680"/>
+            <a:ext cx="3240360" cy="3240360"/>
+          </a:xfrm>
+          <a:prstGeom prst="star5">
+            <a:avLst>
+              <a:gd name="adj" fmla="val 20617"/>
+              <a:gd name="hf" fmla="val 105146"/>
+              <a:gd name="vf" fmla="val 110557"/>
+            </a:avLst>
+          </a:prstGeom>
+          <a:solidFill>
+            <a:srgbClr val="3498DB"/>
+          </a:solidFill>
+          <a:ln>
+            <a:noFill/>
+          </a:ln>
+        </p:spPr>
+        <p:style>
+          <a:lnRef idx="2">
+            <a:schemeClr val="accent1">
+              <a:shade val="50000"/>
+            </a:schemeClr>
+          </a:lnRef>
+          <a:fillRef idx="1">
+            <a:schemeClr val="accent1"/>
+          </a:fillRef>
+          <a:effectRef idx="0">
+            <a:schemeClr val="accent1"/>
+          </a:effectRef>
+          <a:fontRef idx="minor">
+            <a:schemeClr val="lt1"/>
+          </a:fontRef>
+        </p:style>
+        <p:txBody>
+          <a:bodyPr rtlCol="0" anchor="ctr"/>
+          <a:lstStyle/>
+          <a:p>
+            <a:pPr algn="ctr"/>
+            <a:endParaRPr lang="pt-BR"/>
+          </a:p>
+        </p:txBody>
+      </p:sp>
+      <p:sp>
+        <p:nvSpPr>
+          <p:cNvPr id="12" name="Coração 11"/>
+          <p:cNvSpPr/>
+          <p:nvPr/>
+        </p:nvSpPr>
+        <p:spPr>
+          <a:xfrm>
+            <a:off x="3059832" y="1628800"/>
+            <a:ext cx="2128416" cy="2128416"/>
+          </a:xfrm>
+          <a:prstGeom prst="heart">
             <a:avLst/>
           </a:prstGeom>
-          <a:noFill/>
-          <a:extLst>
-            <a:ext uri="{909E8E84-426E-40DD-AFC4-6F175D3DCCD1}">
-              <a14:hiddenFill xmlns:a14="http://schemas.microsoft.com/office/drawing/2010/main">
-                <a:solidFill>
-                  <a:srgbClr val="FFFFFF"/>
-                </a:solidFill>
-              </a14:hiddenFill>
-            </a:ext>
-          </a:extLst>
-        </p:spPr>
-      </p:pic>
-      <p:pic>
-        <p:nvPicPr>
-          <p:cNvPr id="18" name="Picture 18" descr="C:\Users\u18189\Desktop\Ludit\Sketch\Games\1x\rectangle_blue.png"/>
-          <p:cNvPicPr>
-            <a:picLocks noChangeAspect="1" noChangeArrowheads="1"/>
-          </p:cNvPicPr>
+          <a:solidFill>
+            <a:srgbClr val="3498DB"/>
+          </a:solidFill>
+          <a:ln>
+            <a:noFill/>
+          </a:ln>
+        </p:spPr>
+        <p:style>
+          <a:lnRef idx="2">
+            <a:schemeClr val="accent1">
+              <a:shade val="50000"/>
+            </a:schemeClr>
+          </a:lnRef>
+          <a:fillRef idx="1">
+            <a:schemeClr val="accent1"/>
+          </a:fillRef>
+          <a:effectRef idx="0">
+            <a:schemeClr val="accent1"/>
+          </a:effectRef>
+          <a:fontRef idx="minor">
+            <a:schemeClr val="lt1"/>
+          </a:fontRef>
+        </p:style>
+        <p:txBody>
+          <a:bodyPr rtlCol="0" anchor="ctr"/>
+          <a:lstStyle/>
+          <a:p>
+            <a:pPr algn="ctr"/>
+            <a:endParaRPr lang="pt-BR"/>
+          </a:p>
+        </p:txBody>
+      </p:sp>
+      <p:sp>
+        <p:nvSpPr>
+          <p:cNvPr id="17" name="Hexágono 16"/>
+          <p:cNvSpPr/>
           <p:nvPr/>
-        </p:nvPicPr>
-        <p:blipFill>
-          <a:blip r:embed="rId5">
-            <a:extLst>
-              <a:ext uri="{28A0092B-C50C-407E-A947-70E740481C1C}">
-                <a14:useLocalDpi xmlns:a14="http://schemas.microsoft.com/office/drawing/2010/main" val="0"/>
-              </a:ext>
-            </a:extLst>
-          </a:blip>
-          <a:srcRect/>
-          <a:stretch>
-            <a:fillRect/>
-          </a:stretch>
-        </p:blipFill>
-        <p:spPr bwMode="auto">
-          <a:xfrm>
-            <a:off x="4587338" y="330200"/>
-            <a:ext cx="3697288" cy="2260600"/>
-          </a:xfrm>
-          <a:prstGeom prst="rect">
+        </p:nvSpPr>
+        <p:spPr>
+          <a:xfrm>
+            <a:off x="2763574" y="3540150"/>
+            <a:ext cx="3672408" cy="3165869"/>
+          </a:xfrm>
+          <a:prstGeom prst="hexagon">
             <a:avLst/>
           </a:prstGeom>
-          <a:noFill/>
-          <a:extLst>
-            <a:ext uri="{909E8E84-426E-40DD-AFC4-6F175D3DCCD1}">
-              <a14:hiddenFill xmlns:a14="http://schemas.microsoft.com/office/drawing/2010/main">
-                <a:solidFill>
-                  <a:srgbClr val="FFFFFF"/>
-                </a:solidFill>
-              </a14:hiddenFill>
-            </a:ext>
-          </a:extLst>
-        </p:spPr>
-      </p:pic>
-      <p:pic>
-        <p:nvPicPr>
-          <p:cNvPr id="22" name="Picture 22" descr="C:\Users\u18189\Desktop\Ludit\Sketch\Games\1x\star_blue.png"/>
-          <p:cNvPicPr>
-            <a:picLocks noChangeAspect="1" noChangeArrowheads="1"/>
-          </p:cNvPicPr>
+          <a:solidFill>
+            <a:srgbClr val="3498DB"/>
+          </a:solidFill>
+          <a:ln>
+            <a:noFill/>
+          </a:ln>
+        </p:spPr>
+        <p:style>
+          <a:lnRef idx="2">
+            <a:schemeClr val="accent1">
+              <a:shade val="50000"/>
+            </a:schemeClr>
+          </a:lnRef>
+          <a:fillRef idx="1">
+            <a:schemeClr val="accent1"/>
+          </a:fillRef>
+          <a:effectRef idx="0">
+            <a:schemeClr val="accent1"/>
+          </a:effectRef>
+          <a:fontRef idx="minor">
+            <a:schemeClr val="lt1"/>
+          </a:fontRef>
+        </p:style>
+        <p:txBody>
+          <a:bodyPr rtlCol="0" anchor="ctr"/>
+          <a:lstStyle/>
+          <a:p>
+            <a:pPr algn="ctr"/>
+            <a:endParaRPr lang="pt-BR"/>
+          </a:p>
+        </p:txBody>
+      </p:sp>
+      <p:sp>
+        <p:nvSpPr>
+          <p:cNvPr id="25" name="Retângulo de cantos arredondados 24"/>
+          <p:cNvSpPr/>
           <p:nvPr/>
-        </p:nvPicPr>
-        <p:blipFill>
-          <a:blip r:embed="rId6">
-            <a:extLst>
-              <a:ext uri="{28A0092B-C50C-407E-A947-70E740481C1C}">
-                <a14:useLocalDpi xmlns:a14="http://schemas.microsoft.com/office/drawing/2010/main" val="0"/>
-              </a:ext>
-            </a:extLst>
-          </a:blip>
-          <a:srcRect/>
-          <a:stretch>
-            <a:fillRect/>
-          </a:stretch>
-        </p:blipFill>
-        <p:spPr bwMode="auto">
-          <a:xfrm>
-            <a:off x="179511" y="0"/>
-            <a:ext cx="3365501" cy="3200400"/>
-          </a:xfrm>
-          <a:prstGeom prst="rect">
+        </p:nvSpPr>
+        <p:spPr>
+          <a:xfrm>
+            <a:off x="6084168" y="127000"/>
+            <a:ext cx="4493957" cy="2183597"/>
+          </a:xfrm>
+          <a:prstGeom prst="roundRect">
             <a:avLst/>
           </a:prstGeom>
-          <a:noFill/>
-          <a:extLst>
-            <a:ext uri="{909E8E84-426E-40DD-AFC4-6F175D3DCCD1}">
-              <a14:hiddenFill xmlns:a14="http://schemas.microsoft.com/office/drawing/2010/main">
-                <a:solidFill>
-                  <a:srgbClr val="FFFFFF"/>
-                </a:solidFill>
-              </a14:hiddenFill>
-            </a:ext>
-          </a:extLst>
-        </p:spPr>
-      </p:pic>
+          <a:solidFill>
+            <a:srgbClr val="3498DB"/>
+          </a:solidFill>
+          <a:ln>
+            <a:noFill/>
+          </a:ln>
+        </p:spPr>
+        <p:style>
+          <a:lnRef idx="2">
+            <a:schemeClr val="accent1">
+              <a:shade val="50000"/>
+            </a:schemeClr>
+          </a:lnRef>
+          <a:fillRef idx="1">
+            <a:schemeClr val="accent1"/>
+          </a:fillRef>
+          <a:effectRef idx="0">
+            <a:schemeClr val="accent1"/>
+          </a:effectRef>
+          <a:fontRef idx="minor">
+            <a:schemeClr val="lt1"/>
+          </a:fontRef>
+        </p:style>
+        <p:txBody>
+          <a:bodyPr rtlCol="0" anchor="ctr"/>
+          <a:lstStyle/>
+          <a:p>
+            <a:pPr algn="ctr"/>
+            <a:endParaRPr lang="pt-BR"/>
+          </a:p>
+        </p:txBody>
+      </p:sp>
     </p:spTree>
     <p:extLst>
       <p:ext uri="{BB962C8B-B14F-4D97-AF65-F5344CB8AC3E}">
@@ -4306,7 +5023,7 @@
 </p:sld>
 </file>
 
-<file path=ppt/slides/slide7.xml><?xml version="1.0" encoding="utf-8"?>
+<file path=ppt/slides/slide8.xml><?xml version="1.0" encoding="utf-8"?>
 <p:sld xmlns:a="http://schemas.openxmlformats.org/drawingml/2006/main" xmlns:r="http://schemas.openxmlformats.org/officeDocument/2006/relationships" xmlns:p="http://schemas.openxmlformats.org/presentationml/2006/main">
   <p:cSld>
     <p:spTree>
@@ -4448,7 +5165,7 @@
       </p:pic>
       <p:pic>
         <p:nvPicPr>
-          <p:cNvPr id="23" name="Picture 23" descr="C:\Users\u18189\Desktop\Ludit\Sketch\Games\1x\star_green.png"/>
+          <p:cNvPr id="2050" name="Picture 2" descr="C:\Users\u18189\Desktop\Ludit\Sketch\Games\1x\hexagono_green.png"/>
           <p:cNvPicPr>
             <a:picLocks noChangeAspect="1" noChangeArrowheads="1"/>
           </p:cNvPicPr>
@@ -4469,8 +5186,8 @@
         </p:blipFill>
         <p:spPr bwMode="auto">
           <a:xfrm>
-            <a:off x="5784303" y="-29903"/>
-            <a:ext cx="3365501" cy="3200400"/>
+            <a:off x="467544" y="371624"/>
+            <a:ext cx="3276601" cy="2844800"/>
           </a:xfrm>
           <a:prstGeom prst="rect">
             <a:avLst/>
@@ -4487,286 +5204,152 @@
           </a:extLst>
         </p:spPr>
       </p:pic>
-      <p:pic>
-        <p:nvPicPr>
-          <p:cNvPr id="2050" name="Picture 2" descr="C:\Users\u18189\Desktop\Ludit\Sketch\Games\1x\hexagono_green.png"/>
-          <p:cNvPicPr>
-            <a:picLocks noChangeAspect="1" noChangeArrowheads="1"/>
-          </p:cNvPicPr>
+      <p:sp>
+        <p:nvSpPr>
+          <p:cNvPr id="9" name="Estrela de 5 pontas 8"/>
+          <p:cNvSpPr/>
           <p:nvPr/>
-        </p:nvPicPr>
-        <p:blipFill>
-          <a:blip r:embed="rId6">
-            <a:extLst>
-              <a:ext uri="{28A0092B-C50C-407E-A947-70E740481C1C}">
-                <a14:useLocalDpi xmlns:a14="http://schemas.microsoft.com/office/drawing/2010/main" val="0"/>
-              </a:ext>
-            </a:extLst>
-          </a:blip>
-          <a:srcRect/>
-          <a:stretch>
-            <a:fillRect/>
-          </a:stretch>
-        </p:blipFill>
-        <p:spPr bwMode="auto">
-          <a:xfrm>
-            <a:off x="467544" y="371624"/>
-            <a:ext cx="3276601" cy="2844800"/>
-          </a:xfrm>
-          <a:prstGeom prst="rect">
+        </p:nvSpPr>
+        <p:spPr>
+          <a:xfrm>
+            <a:off x="5903640" y="173844"/>
+            <a:ext cx="3240360" cy="3240360"/>
+          </a:xfrm>
+          <a:prstGeom prst="star5">
+            <a:avLst>
+              <a:gd name="adj" fmla="val 20617"/>
+              <a:gd name="hf" fmla="val 105146"/>
+              <a:gd name="vf" fmla="val 110557"/>
+            </a:avLst>
+          </a:prstGeom>
+          <a:solidFill>
+            <a:srgbClr val="2ECC71"/>
+          </a:solidFill>
+          <a:ln>
+            <a:noFill/>
+          </a:ln>
+        </p:spPr>
+        <p:style>
+          <a:lnRef idx="2">
+            <a:schemeClr val="accent1">
+              <a:shade val="50000"/>
+            </a:schemeClr>
+          </a:lnRef>
+          <a:fillRef idx="1">
+            <a:schemeClr val="accent1"/>
+          </a:fillRef>
+          <a:effectRef idx="0">
+            <a:schemeClr val="accent1"/>
+          </a:effectRef>
+          <a:fontRef idx="minor">
+            <a:schemeClr val="lt1"/>
+          </a:fontRef>
+        </p:style>
+        <p:txBody>
+          <a:bodyPr rtlCol="0" anchor="ctr"/>
+          <a:lstStyle/>
+          <a:p>
+            <a:pPr algn="ctr"/>
+            <a:endParaRPr lang="pt-BR"/>
+          </a:p>
+        </p:txBody>
+      </p:sp>
+      <p:sp>
+        <p:nvSpPr>
+          <p:cNvPr id="14" name="Coração 13"/>
+          <p:cNvSpPr/>
+          <p:nvPr/>
+        </p:nvSpPr>
+        <p:spPr>
+          <a:xfrm>
+            <a:off x="7703840" y="3727698"/>
+            <a:ext cx="2880320" cy="2880320"/>
+          </a:xfrm>
+          <a:prstGeom prst="heart">
             <a:avLst/>
           </a:prstGeom>
-          <a:noFill/>
-          <a:extLst>
-            <a:ext uri="{909E8E84-426E-40DD-AFC4-6F175D3DCCD1}">
-              <a14:hiddenFill xmlns:a14="http://schemas.microsoft.com/office/drawing/2010/main">
-                <a:solidFill>
-                  <a:srgbClr val="FFFFFF"/>
-                </a:solidFill>
-              </a14:hiddenFill>
-            </a:ext>
-          </a:extLst>
-        </p:spPr>
-      </p:pic>
+          <a:solidFill>
+            <a:srgbClr val="2ECC71"/>
+          </a:solidFill>
+          <a:ln>
+            <a:noFill/>
+          </a:ln>
+        </p:spPr>
+        <p:style>
+          <a:lnRef idx="2">
+            <a:schemeClr val="accent1">
+              <a:shade val="50000"/>
+            </a:schemeClr>
+          </a:lnRef>
+          <a:fillRef idx="1">
+            <a:schemeClr val="accent1"/>
+          </a:fillRef>
+          <a:effectRef idx="0">
+            <a:schemeClr val="accent1"/>
+          </a:effectRef>
+          <a:fontRef idx="minor">
+            <a:schemeClr val="lt1"/>
+          </a:fontRef>
+        </p:style>
+        <p:txBody>
+          <a:bodyPr rtlCol="0" anchor="ctr"/>
+          <a:lstStyle/>
+          <a:p>
+            <a:pPr algn="ctr"/>
+            <a:endParaRPr lang="pt-BR"/>
+          </a:p>
+        </p:txBody>
+      </p:sp>
+      <p:sp>
+        <p:nvSpPr>
+          <p:cNvPr id="15" name="Hexágono 14"/>
+          <p:cNvSpPr/>
+          <p:nvPr/>
+        </p:nvSpPr>
+        <p:spPr>
+          <a:xfrm>
+            <a:off x="7740352" y="3332112"/>
+            <a:ext cx="3672408" cy="3165869"/>
+          </a:xfrm>
+          <a:prstGeom prst="hexagon">
+            <a:avLst/>
+          </a:prstGeom>
+          <a:solidFill>
+            <a:srgbClr val="2ECC71"/>
+          </a:solidFill>
+          <a:ln>
+            <a:noFill/>
+          </a:ln>
+        </p:spPr>
+        <p:style>
+          <a:lnRef idx="2">
+            <a:schemeClr val="accent1">
+              <a:shade val="50000"/>
+            </a:schemeClr>
+          </a:lnRef>
+          <a:fillRef idx="1">
+            <a:schemeClr val="accent1"/>
+          </a:fillRef>
+          <a:effectRef idx="0">
+            <a:schemeClr val="accent1"/>
+          </a:effectRef>
+          <a:fontRef idx="minor">
+            <a:schemeClr val="lt1"/>
+          </a:fontRef>
+        </p:style>
+        <p:txBody>
+          <a:bodyPr rtlCol="0" anchor="ctr"/>
+          <a:lstStyle/>
+          <a:p>
+            <a:pPr algn="ctr"/>
+            <a:endParaRPr lang="pt-BR"/>
+          </a:p>
+        </p:txBody>
+      </p:sp>
     </p:spTree>
     <p:extLst>
       <p:ext uri="{BB962C8B-B14F-4D97-AF65-F5344CB8AC3E}">
         <p14:creationId xmlns:p14="http://schemas.microsoft.com/office/powerpoint/2010/main" val="3081658008"/>
-      </p:ext>
-    </p:extLst>
-  </p:cSld>
-  <p:clrMapOvr>
-    <a:masterClrMapping/>
-  </p:clrMapOvr>
-</p:sld>
-</file>
-
-<file path=ppt/slides/slide8.xml><?xml version="1.0" encoding="utf-8"?>
-<p:sld xmlns:a="http://schemas.openxmlformats.org/drawingml/2006/main" xmlns:r="http://schemas.openxmlformats.org/officeDocument/2006/relationships" xmlns:p="http://schemas.openxmlformats.org/presentationml/2006/main">
-  <p:cSld>
-    <p:spTree>
-      <p:nvGrpSpPr>
-        <p:cNvPr id="1" name=""/>
-        <p:cNvGrpSpPr/>
-        <p:nvPr/>
-      </p:nvGrpSpPr>
-      <p:grpSpPr>
-        <a:xfrm>
-          <a:off x="0" y="0"/>
-          <a:ext cx="0" cy="0"/>
-          <a:chOff x="0" y="0"/>
-          <a:chExt cx="0" cy="0"/>
-        </a:xfrm>
-      </p:grpSpPr>
-      <p:pic>
-        <p:nvPicPr>
-          <p:cNvPr id="5" name="Picture 3" descr="C:\Users\u18189\Desktop\Ludit\Sketch\Games\1x\star_yellow.png"/>
-          <p:cNvPicPr>
-            <a:picLocks noChangeAspect="1" noChangeArrowheads="1"/>
-          </p:cNvPicPr>
-          <p:nvPr/>
-        </p:nvPicPr>
-        <p:blipFill>
-          <a:blip r:embed="rId2">
-            <a:extLst>
-              <a:ext uri="{28A0092B-C50C-407E-A947-70E740481C1C}">
-                <a14:useLocalDpi xmlns:a14="http://schemas.microsoft.com/office/drawing/2010/main" val="0"/>
-              </a:ext>
-            </a:extLst>
-          </a:blip>
-          <a:srcRect/>
-          <a:stretch>
-            <a:fillRect/>
-          </a:stretch>
-        </p:blipFill>
-        <p:spPr bwMode="auto">
-          <a:xfrm>
-            <a:off x="251520" y="332656"/>
-            <a:ext cx="3365501" cy="3200400"/>
-          </a:xfrm>
-          <a:prstGeom prst="rect">
-            <a:avLst/>
-          </a:prstGeom>
-          <a:noFill/>
-          <a:extLst>
-            <a:ext uri="{909E8E84-426E-40DD-AFC4-6F175D3DCCD1}">
-              <a14:hiddenFill xmlns:a14="http://schemas.microsoft.com/office/drawing/2010/main">
-                <a:solidFill>
-                  <a:srgbClr val="FFFFFF"/>
-                </a:solidFill>
-              </a14:hiddenFill>
-            </a:ext>
-          </a:extLst>
-        </p:spPr>
-      </p:pic>
-      <p:pic>
-        <p:nvPicPr>
-          <p:cNvPr id="8" name="Picture 7" descr="C:\Users\u18189\Desktop\Ludit\Sketch\Games\1x\triangle_yellow.png"/>
-          <p:cNvPicPr>
-            <a:picLocks noChangeAspect="1" noChangeArrowheads="1"/>
-          </p:cNvPicPr>
-          <p:nvPr/>
-        </p:nvPicPr>
-        <p:blipFill>
-          <a:blip r:embed="rId3">
-            <a:extLst>
-              <a:ext uri="{28A0092B-C50C-407E-A947-70E740481C1C}">
-                <a14:useLocalDpi xmlns:a14="http://schemas.microsoft.com/office/drawing/2010/main" val="0"/>
-              </a:ext>
-            </a:extLst>
-          </a:blip>
-          <a:srcRect/>
-          <a:stretch>
-            <a:fillRect/>
-          </a:stretch>
-        </p:blipFill>
-        <p:spPr bwMode="auto">
-          <a:xfrm>
-            <a:off x="5977470" y="713047"/>
-            <a:ext cx="2921001" cy="2540000"/>
-          </a:xfrm>
-          <a:prstGeom prst="rect">
-            <a:avLst/>
-          </a:prstGeom>
-          <a:noFill/>
-          <a:extLst>
-            <a:ext uri="{909E8E84-426E-40DD-AFC4-6F175D3DCCD1}">
-              <a14:hiddenFill xmlns:a14="http://schemas.microsoft.com/office/drawing/2010/main">
-                <a:solidFill>
-                  <a:srgbClr val="FFFFFF"/>
-                </a:solidFill>
-              </a14:hiddenFill>
-            </a:ext>
-          </a:extLst>
-        </p:spPr>
-      </p:pic>
-      <p:pic>
-        <p:nvPicPr>
-          <p:cNvPr id="12" name="Picture 11" descr="C:\Users\u18189\Desktop\Ludit\Sketch\Games\1x\circle_yellow.png"/>
-          <p:cNvPicPr>
-            <a:picLocks noChangeAspect="1" noChangeArrowheads="1"/>
-          </p:cNvPicPr>
-          <p:nvPr/>
-        </p:nvPicPr>
-        <p:blipFill>
-          <a:blip r:embed="rId4">
-            <a:extLst>
-              <a:ext uri="{28A0092B-C50C-407E-A947-70E740481C1C}">
-                <a14:useLocalDpi xmlns:a14="http://schemas.microsoft.com/office/drawing/2010/main" val="0"/>
-              </a:ext>
-            </a:extLst>
-          </a:blip>
-          <a:srcRect/>
-          <a:stretch>
-            <a:fillRect/>
-          </a:stretch>
-        </p:blipFill>
-        <p:spPr bwMode="auto">
-          <a:xfrm>
-            <a:off x="3851920" y="681201"/>
-            <a:ext cx="2095501" cy="2095500"/>
-          </a:xfrm>
-          <a:prstGeom prst="rect">
-            <a:avLst/>
-          </a:prstGeom>
-          <a:noFill/>
-          <a:extLst>
-            <a:ext uri="{909E8E84-426E-40DD-AFC4-6F175D3DCCD1}">
-              <a14:hiddenFill xmlns:a14="http://schemas.microsoft.com/office/drawing/2010/main">
-                <a:solidFill>
-                  <a:srgbClr val="FFFFFF"/>
-                </a:solidFill>
-              </a14:hiddenFill>
-            </a:ext>
-          </a:extLst>
-        </p:spPr>
-      </p:pic>
-      <p:pic>
-        <p:nvPicPr>
-          <p:cNvPr id="15" name="Picture 15" descr="C:\Users\u18189\Desktop\Ludit\Sketch\Games\1x\hexagono_yellow.png"/>
-          <p:cNvPicPr>
-            <a:picLocks noChangeAspect="1" noChangeArrowheads="1"/>
-          </p:cNvPicPr>
-          <p:nvPr/>
-        </p:nvPicPr>
-        <p:blipFill>
-          <a:blip r:embed="rId5">
-            <a:extLst>
-              <a:ext uri="{28A0092B-C50C-407E-A947-70E740481C1C}">
-                <a14:useLocalDpi xmlns:a14="http://schemas.microsoft.com/office/drawing/2010/main" val="0"/>
-              </a:ext>
-            </a:extLst>
-          </a:blip>
-          <a:srcRect/>
-          <a:stretch>
-            <a:fillRect/>
-          </a:stretch>
-        </p:blipFill>
-        <p:spPr bwMode="auto">
-          <a:xfrm>
-            <a:off x="295969" y="3724818"/>
-            <a:ext cx="3276601" cy="2832100"/>
-          </a:xfrm>
-          <a:prstGeom prst="rect">
-            <a:avLst/>
-          </a:prstGeom>
-          <a:noFill/>
-          <a:extLst>
-            <a:ext uri="{909E8E84-426E-40DD-AFC4-6F175D3DCCD1}">
-              <a14:hiddenFill xmlns:a14="http://schemas.microsoft.com/office/drawing/2010/main">
-                <a:solidFill>
-                  <a:srgbClr val="FFFFFF"/>
-                </a:solidFill>
-              </a14:hiddenFill>
-            </a:ext>
-          </a:extLst>
-        </p:spPr>
-      </p:pic>
-      <p:pic>
-        <p:nvPicPr>
-          <p:cNvPr id="18" name="Picture 21" descr="C:\Users\u18189\Desktop\Ludit\Sketch\Games\1x\rectangle_yellow.png"/>
-          <p:cNvPicPr>
-            <a:picLocks noChangeAspect="1" noChangeArrowheads="1"/>
-          </p:cNvPicPr>
-          <p:nvPr/>
-        </p:nvPicPr>
-        <p:blipFill>
-          <a:blip r:embed="rId6">
-            <a:extLst>
-              <a:ext uri="{28A0092B-C50C-407E-A947-70E740481C1C}">
-                <a14:useLocalDpi xmlns:a14="http://schemas.microsoft.com/office/drawing/2010/main" val="0"/>
-              </a:ext>
-            </a:extLst>
-          </a:blip>
-          <a:srcRect/>
-          <a:stretch>
-            <a:fillRect/>
-          </a:stretch>
-        </p:blipFill>
-        <p:spPr bwMode="auto">
-          <a:xfrm>
-            <a:off x="4105127" y="3861048"/>
-            <a:ext cx="3684588" cy="2260600"/>
-          </a:xfrm>
-          <a:prstGeom prst="rect">
-            <a:avLst/>
-          </a:prstGeom>
-          <a:noFill/>
-          <a:extLst>
-            <a:ext uri="{909E8E84-426E-40DD-AFC4-6F175D3DCCD1}">
-              <a14:hiddenFill xmlns:a14="http://schemas.microsoft.com/office/drawing/2010/main">
-                <a:solidFill>
-                  <a:srgbClr val="FFFFFF"/>
-                </a:solidFill>
-              </a14:hiddenFill>
-            </a:ext>
-          </a:extLst>
-        </p:spPr>
-      </p:pic>
-    </p:spTree>
-    <p:extLst>
-      <p:ext uri="{BB962C8B-B14F-4D97-AF65-F5344CB8AC3E}">
-        <p14:creationId xmlns:p14="http://schemas.microsoft.com/office/powerpoint/2010/main" val="1446840594"/>
       </p:ext>
     </p:extLst>
   </p:cSld>
@@ -4795,7 +5378,7 @@
       </p:grpSpPr>
       <p:pic>
         <p:nvPicPr>
-          <p:cNvPr id="4" name="Picture 2" descr="C:\Users\u18189\Desktop\Ludit\Sketch\Games\1x\star_red.png"/>
+          <p:cNvPr id="8" name="Picture 7" descr="C:\Users\u18189\Desktop\Ludit\Sketch\Games\1x\triangle_yellow.png"/>
           <p:cNvPicPr>
             <a:picLocks noChangeAspect="1" noChangeArrowheads="1"/>
           </p:cNvPicPr>
@@ -4816,8 +5399,8 @@
         </p:blipFill>
         <p:spPr bwMode="auto">
           <a:xfrm>
-            <a:off x="395536" y="3189762"/>
-            <a:ext cx="3365501" cy="3200400"/>
+            <a:off x="5977470" y="713047"/>
+            <a:ext cx="2921001" cy="2540000"/>
           </a:xfrm>
           <a:prstGeom prst="rect">
             <a:avLst/>
@@ -4836,7 +5419,7 @@
       </p:pic>
       <p:pic>
         <p:nvPicPr>
-          <p:cNvPr id="6" name="Picture 6" descr="C:\Users\u18189\Desktop\Ludit\Sketch\Games\1x\triangle_red.png"/>
+          <p:cNvPr id="12" name="Picture 11" descr="C:\Users\u18189\Desktop\Ludit\Sketch\Games\1x\circle_yellow.png"/>
           <p:cNvPicPr>
             <a:picLocks noChangeAspect="1" noChangeArrowheads="1"/>
           </p:cNvPicPr>
@@ -4857,8 +5440,8 @@
         </p:blipFill>
         <p:spPr bwMode="auto">
           <a:xfrm>
-            <a:off x="5778693" y="3645148"/>
-            <a:ext cx="2921001" cy="2527300"/>
+            <a:off x="3851920" y="681201"/>
+            <a:ext cx="2095501" cy="2095500"/>
           </a:xfrm>
           <a:prstGeom prst="rect">
             <a:avLst/>
@@ -4877,7 +5460,7 @@
       </p:pic>
       <p:pic>
         <p:nvPicPr>
-          <p:cNvPr id="8" name="Picture 10" descr="C:\Users\u18189\Desktop\Ludit\Sketch\Games\1x\circle_red.png"/>
+          <p:cNvPr id="15" name="Picture 15" descr="C:\Users\u18189\Desktop\Ludit\Sketch\Games\1x\hexagono_yellow.png"/>
           <p:cNvPicPr>
             <a:picLocks noChangeAspect="1" noChangeArrowheads="1"/>
           </p:cNvPicPr>
@@ -4898,8 +5481,8 @@
         </p:blipFill>
         <p:spPr bwMode="auto">
           <a:xfrm>
-            <a:off x="4084737" y="3851785"/>
-            <a:ext cx="2108201" cy="2095500"/>
+            <a:off x="295969" y="3724818"/>
+            <a:ext cx="3276601" cy="2832100"/>
           </a:xfrm>
           <a:prstGeom prst="rect">
             <a:avLst/>
@@ -4918,7 +5501,7 @@
       </p:pic>
       <p:pic>
         <p:nvPicPr>
-          <p:cNvPr id="10" name="Picture 14" descr="C:\Users\u18189\Desktop\Ludit\Sketch\Games\1x\hexagono_red.png"/>
+          <p:cNvPr id="18" name="Picture 21" descr="C:\Users\u18189\Desktop\Ludit\Sketch\Games\1x\rectangle_yellow.png"/>
           <p:cNvPicPr>
             <a:picLocks noChangeAspect="1" noChangeArrowheads="1"/>
           </p:cNvPicPr>
@@ -4939,8 +5522,8 @@
         </p:blipFill>
         <p:spPr bwMode="auto">
           <a:xfrm>
-            <a:off x="179512" y="260648"/>
-            <a:ext cx="3289301" cy="2832100"/>
+            <a:off x="4105127" y="3861048"/>
+            <a:ext cx="3684588" cy="2260600"/>
           </a:xfrm>
           <a:prstGeom prst="rect">
             <a:avLst/>
@@ -4957,51 +5540,152 @@
           </a:extLst>
         </p:spPr>
       </p:pic>
-      <p:pic>
-        <p:nvPicPr>
-          <p:cNvPr id="12" name="Picture 20" descr="C:\Users\u18189\Desktop\Ludit\Sketch\Games\1x\rectangle_red.png"/>
-          <p:cNvPicPr>
-            <a:picLocks noChangeAspect="1" noChangeArrowheads="1"/>
-          </p:cNvPicPr>
+      <p:sp>
+        <p:nvSpPr>
+          <p:cNvPr id="7" name="Estrela de 5 pontas 6"/>
+          <p:cNvSpPr/>
           <p:nvPr/>
-        </p:nvPicPr>
-        <p:blipFill>
-          <a:blip r:embed="rId6">
-            <a:extLst>
-              <a:ext uri="{28A0092B-C50C-407E-A947-70E740481C1C}">
-                <a14:useLocalDpi xmlns:a14="http://schemas.microsoft.com/office/drawing/2010/main" val="0"/>
-              </a:ext>
-            </a:extLst>
-          </a:blip>
-          <a:srcRect/>
-          <a:stretch>
-            <a:fillRect/>
-          </a:stretch>
-        </p:blipFill>
-        <p:spPr bwMode="auto">
-          <a:xfrm>
-            <a:off x="4063033" y="546398"/>
-            <a:ext cx="3697288" cy="2260600"/>
-          </a:xfrm>
-          <a:prstGeom prst="rect">
+        </p:nvSpPr>
+        <p:spPr>
+          <a:xfrm>
+            <a:off x="314089" y="362867"/>
+            <a:ext cx="3240360" cy="3240360"/>
+          </a:xfrm>
+          <a:prstGeom prst="star5">
+            <a:avLst>
+              <a:gd name="adj" fmla="val 20617"/>
+              <a:gd name="hf" fmla="val 105146"/>
+              <a:gd name="vf" fmla="val 110557"/>
+            </a:avLst>
+          </a:prstGeom>
+          <a:solidFill>
+            <a:srgbClr val="F1C410"/>
+          </a:solidFill>
+          <a:ln>
+            <a:noFill/>
+          </a:ln>
+        </p:spPr>
+        <p:style>
+          <a:lnRef idx="2">
+            <a:schemeClr val="accent1">
+              <a:shade val="50000"/>
+            </a:schemeClr>
+          </a:lnRef>
+          <a:fillRef idx="1">
+            <a:schemeClr val="accent1"/>
+          </a:fillRef>
+          <a:effectRef idx="0">
+            <a:schemeClr val="accent1"/>
+          </a:effectRef>
+          <a:fontRef idx="minor">
+            <a:schemeClr val="lt1"/>
+          </a:fontRef>
+        </p:style>
+        <p:txBody>
+          <a:bodyPr rtlCol="0" anchor="ctr"/>
+          <a:lstStyle/>
+          <a:p>
+            <a:pPr algn="ctr"/>
+            <a:endParaRPr lang="pt-BR"/>
+          </a:p>
+        </p:txBody>
+      </p:sp>
+      <p:sp>
+        <p:nvSpPr>
+          <p:cNvPr id="13" name="Coração 12"/>
+          <p:cNvSpPr/>
+          <p:nvPr/>
+        </p:nvSpPr>
+        <p:spPr>
+          <a:xfrm>
+            <a:off x="8100392" y="3431434"/>
+            <a:ext cx="2880320" cy="2880320"/>
+          </a:xfrm>
+          <a:prstGeom prst="heart">
             <a:avLst/>
           </a:prstGeom>
-          <a:noFill/>
-          <a:extLst>
-            <a:ext uri="{909E8E84-426E-40DD-AFC4-6F175D3DCCD1}">
-              <a14:hiddenFill xmlns:a14="http://schemas.microsoft.com/office/drawing/2010/main">
-                <a:solidFill>
-                  <a:srgbClr val="FFFFFF"/>
-                </a:solidFill>
-              </a14:hiddenFill>
-            </a:ext>
-          </a:extLst>
-        </p:spPr>
-      </p:pic>
+          <a:solidFill>
+            <a:srgbClr val="F1C410"/>
+          </a:solidFill>
+          <a:ln>
+            <a:noFill/>
+          </a:ln>
+        </p:spPr>
+        <p:style>
+          <a:lnRef idx="2">
+            <a:schemeClr val="accent1">
+              <a:shade val="50000"/>
+            </a:schemeClr>
+          </a:lnRef>
+          <a:fillRef idx="1">
+            <a:schemeClr val="accent1"/>
+          </a:fillRef>
+          <a:effectRef idx="0">
+            <a:schemeClr val="accent1"/>
+          </a:effectRef>
+          <a:fontRef idx="minor">
+            <a:schemeClr val="lt1"/>
+          </a:fontRef>
+        </p:style>
+        <p:txBody>
+          <a:bodyPr rtlCol="0" anchor="ctr"/>
+          <a:lstStyle/>
+          <a:p>
+            <a:pPr algn="ctr"/>
+            <a:endParaRPr lang="pt-BR"/>
+          </a:p>
+        </p:txBody>
+      </p:sp>
+      <p:sp>
+        <p:nvSpPr>
+          <p:cNvPr id="16" name="Hexágono 15"/>
+          <p:cNvSpPr/>
+          <p:nvPr/>
+        </p:nvSpPr>
+        <p:spPr>
+          <a:xfrm>
+            <a:off x="11988824" y="45865"/>
+            <a:ext cx="3672408" cy="3165869"/>
+          </a:xfrm>
+          <a:prstGeom prst="hexagon">
+            <a:avLst/>
+          </a:prstGeom>
+          <a:solidFill>
+            <a:srgbClr val="F1C410"/>
+          </a:solidFill>
+          <a:ln>
+            <a:noFill/>
+          </a:ln>
+        </p:spPr>
+        <p:style>
+          <a:lnRef idx="2">
+            <a:schemeClr val="accent1">
+              <a:shade val="50000"/>
+            </a:schemeClr>
+          </a:lnRef>
+          <a:fillRef idx="1">
+            <a:schemeClr val="accent1"/>
+          </a:fillRef>
+          <a:effectRef idx="0">
+            <a:schemeClr val="accent1"/>
+          </a:effectRef>
+          <a:fontRef idx="minor">
+            <a:schemeClr val="lt1"/>
+          </a:fontRef>
+        </p:style>
+        <p:txBody>
+          <a:bodyPr rtlCol="0" anchor="ctr"/>
+          <a:lstStyle/>
+          <a:p>
+            <a:pPr algn="ctr"/>
+            <a:endParaRPr lang="pt-BR"/>
+          </a:p>
+        </p:txBody>
+      </p:sp>
     </p:spTree>
     <p:extLst>
       <p:ext uri="{BB962C8B-B14F-4D97-AF65-F5344CB8AC3E}">
-        <p14:creationId xmlns:p14="http://schemas.microsoft.com/office/powerpoint/2010/main" val="3240468426"/>
+        <p14:creationId xmlns:p14="http://schemas.microsoft.com/office/powerpoint/2010/main" val="1446840594"/>
       </p:ext>
     </p:extLst>
   </p:cSld>
